--- a/DNN/DNN.pptx
+++ b/DNN/DNN.pptx
@@ -5,8 +5,11 @@
     <p:sldMasterId id="2147483660" r:id="rId1"/>
   </p:sldMasterIdLst>
   <p:notesMasterIdLst>
-    <p:notesMasterId r:id="rId11"/>
+    <p:notesMasterId r:id="rId13"/>
   </p:notesMasterIdLst>
+  <p:handoutMasterIdLst>
+    <p:handoutMasterId r:id="rId14"/>
+  </p:handoutMasterIdLst>
   <p:sldIdLst>
     <p:sldId id="256" r:id="rId2"/>
     <p:sldId id="260" r:id="rId3"/>
@@ -17,6 +20,8 @@
     <p:sldId id="262" r:id="rId8"/>
     <p:sldId id="263" r:id="rId9"/>
     <p:sldId id="264" r:id="rId10"/>
+    <p:sldId id="265" r:id="rId11"/>
+    <p:sldId id="266" r:id="rId12"/>
   </p:sldIdLst>
   <p:sldSz cx="9144000" cy="6858000" type="screen4x3"/>
   <p:notesSz cx="6858000" cy="9144000"/>
@@ -123,7 +128,7 @@
             <a:srgbClr val="A4A3A4"/>
           </p15:clr>
         </p15:guide>
-        <p15:guide id="2" pos="2880" userDrawn="1">
+        <p15:guide id="2" pos="2381" userDrawn="1">
           <p15:clr>
             <a:srgbClr val="A4A3A4"/>
           </p15:clr>
@@ -132,6 +137,171 @@
     </p:ext>
   </p:extLst>
 </p:presentation>
+</file>
+
+<file path=ppt/handoutMasters/handoutMaster1.xml><?xml version="1.0" encoding="utf-8"?>
+<p:handoutMaster xmlns:a="http://schemas.openxmlformats.org/drawingml/2006/main" xmlns:r="http://schemas.openxmlformats.org/officeDocument/2006/relationships" xmlns:p="http://schemas.openxmlformats.org/presentationml/2006/main">
+  <p:cSld>
+    <p:bg>
+      <p:bgRef idx="1001">
+        <a:schemeClr val="bg1"/>
+      </p:bgRef>
+    </p:bg>
+    <p:spTree>
+      <p:nvGrpSpPr>
+        <p:cNvPr id="1" name=""/>
+        <p:cNvGrpSpPr/>
+        <p:nvPr/>
+      </p:nvGrpSpPr>
+      <p:grpSpPr>
+        <a:xfrm>
+          <a:off x="0" y="0"/>
+          <a:ext cx="0" cy="0"/>
+          <a:chOff x="0" y="0"/>
+          <a:chExt cx="0" cy="0"/>
+        </a:xfrm>
+      </p:grpSpPr>
+      <p:sp>
+        <p:nvSpPr>
+          <p:cNvPr id="2" name="ヘッダー プレースホルダー 1"/>
+          <p:cNvSpPr>
+            <a:spLocks noGrp="1"/>
+          </p:cNvSpPr>
+          <p:nvPr>
+            <p:ph type="hdr" sz="quarter"/>
+          </p:nvPr>
+        </p:nvSpPr>
+        <p:spPr>
+          <a:xfrm>
+            <a:off x="0" y="0"/>
+            <a:ext cx="2971800" cy="458788"/>
+          </a:xfrm>
+          <a:prstGeom prst="rect">
+            <a:avLst/>
+          </a:prstGeom>
+        </p:spPr>
+        <p:txBody>
+          <a:bodyPr vert="horz" lIns="91440" tIns="45720" rIns="91440" bIns="45720" rtlCol="0"/>
+          <a:lstStyle>
+            <a:lvl1pPr algn="l">
+              <a:defRPr sz="1200"/>
+            </a:lvl1pPr>
+          </a:lstStyle>
+          <a:p>
+            <a:endParaRPr kumimoji="1" lang="ja-JP" altLang="en-US"/>
+          </a:p>
+        </p:txBody>
+      </p:sp>
+      <p:sp>
+        <p:nvSpPr>
+          <p:cNvPr id="3" name="日付プレースホルダー 2"/>
+          <p:cNvSpPr>
+            <a:spLocks noGrp="1"/>
+          </p:cNvSpPr>
+          <p:nvPr>
+            <p:ph type="dt" sz="quarter" idx="1"/>
+          </p:nvPr>
+        </p:nvSpPr>
+        <p:spPr>
+          <a:xfrm>
+            <a:off x="3884613" y="0"/>
+            <a:ext cx="2971800" cy="458788"/>
+          </a:xfrm>
+          <a:prstGeom prst="rect">
+            <a:avLst/>
+          </a:prstGeom>
+        </p:spPr>
+        <p:txBody>
+          <a:bodyPr vert="horz" lIns="91440" tIns="45720" rIns="91440" bIns="45720" rtlCol="0"/>
+          <a:lstStyle>
+            <a:lvl1pPr algn="r">
+              <a:defRPr sz="1200"/>
+            </a:lvl1pPr>
+          </a:lstStyle>
+          <a:p>
+            <a:fld id="{CB38618C-CEE1-2040-9B04-1C64B6B94A3C}" type="datetimeFigureOut">
+              <a:rPr kumimoji="1" lang="ja-JP" altLang="en-US" smtClean="0"/>
+              <a:t>2017/11/15</a:t>
+            </a:fld>
+            <a:endParaRPr kumimoji="1" lang="ja-JP" altLang="en-US"/>
+          </a:p>
+        </p:txBody>
+      </p:sp>
+      <p:sp>
+        <p:nvSpPr>
+          <p:cNvPr id="4" name="フッター プレースホルダー 3"/>
+          <p:cNvSpPr>
+            <a:spLocks noGrp="1"/>
+          </p:cNvSpPr>
+          <p:nvPr>
+            <p:ph type="ftr" sz="quarter" idx="2"/>
+          </p:nvPr>
+        </p:nvSpPr>
+        <p:spPr>
+          <a:xfrm>
+            <a:off x="0" y="8685213"/>
+            <a:ext cx="2971800" cy="458787"/>
+          </a:xfrm>
+          <a:prstGeom prst="rect">
+            <a:avLst/>
+          </a:prstGeom>
+        </p:spPr>
+        <p:txBody>
+          <a:bodyPr vert="horz" lIns="91440" tIns="45720" rIns="91440" bIns="45720" rtlCol="0" anchor="b"/>
+          <a:lstStyle>
+            <a:lvl1pPr algn="l">
+              <a:defRPr sz="1200"/>
+            </a:lvl1pPr>
+          </a:lstStyle>
+          <a:p>
+            <a:endParaRPr kumimoji="1" lang="ja-JP" altLang="en-US"/>
+          </a:p>
+        </p:txBody>
+      </p:sp>
+      <p:sp>
+        <p:nvSpPr>
+          <p:cNvPr id="5" name="スライド番号プレースホルダー 4"/>
+          <p:cNvSpPr>
+            <a:spLocks noGrp="1"/>
+          </p:cNvSpPr>
+          <p:nvPr>
+            <p:ph type="sldNum" sz="quarter" idx="3"/>
+          </p:nvPr>
+        </p:nvSpPr>
+        <p:spPr>
+          <a:xfrm>
+            <a:off x="3884613" y="8685213"/>
+            <a:ext cx="2971800" cy="458787"/>
+          </a:xfrm>
+          <a:prstGeom prst="rect">
+            <a:avLst/>
+          </a:prstGeom>
+        </p:spPr>
+        <p:txBody>
+          <a:bodyPr vert="horz" lIns="91440" tIns="45720" rIns="91440" bIns="45720" rtlCol="0" anchor="b"/>
+          <a:lstStyle>
+            <a:lvl1pPr algn="r">
+              <a:defRPr sz="1200"/>
+            </a:lvl1pPr>
+          </a:lstStyle>
+          <a:p>
+            <a:fld id="{9A149FBB-21D8-384E-A579-6C1CE252AE60}" type="slidenum">
+              <a:rPr kumimoji="1" lang="ja-JP" altLang="en-US" smtClean="0"/>
+              <a:t>‹#›</a:t>
+            </a:fld>
+            <a:endParaRPr kumimoji="1" lang="ja-JP" altLang="en-US"/>
+          </a:p>
+        </p:txBody>
+      </p:sp>
+    </p:spTree>
+    <p:extLst>
+      <p:ext uri="{BB962C8B-B14F-4D97-AF65-F5344CB8AC3E}">
+        <p14:creationId xmlns:p14="http://schemas.microsoft.com/office/powerpoint/2010/main" val="797111840"/>
+      </p:ext>
+    </p:extLst>
+  </p:cSld>
+  <p:clrMap bg1="lt1" tx1="dk1" bg2="lt2" tx2="dk2" accent1="accent1" accent2="accent2" accent3="accent3" accent4="accent4" accent5="accent5" accent6="accent6" hlink="hlink" folHlink="folHlink"/>
+</p:handoutMaster>
 </file>
 
 <file path=ppt/notesMasters/notesMaster1.xml><?xml version="1.0" encoding="utf-8"?>
@@ -3781,6 +3951,3077 @@
   <p:clrMapOvr>
     <a:masterClrMapping/>
   </p:clrMapOvr>
+  <p:timing>
+    <p:tnLst>
+      <p:par>
+        <p:cTn id="1" dur="indefinite" restart="never" nodeType="tmRoot"/>
+      </p:par>
+    </p:tnLst>
+  </p:timing>
+</p:sld>
+</file>
+
+<file path=ppt/slides/slide10.xml><?xml version="1.0" encoding="utf-8"?>
+<p:sld xmlns:a="http://schemas.openxmlformats.org/drawingml/2006/main" xmlns:r="http://schemas.openxmlformats.org/officeDocument/2006/relationships" xmlns:p="http://schemas.openxmlformats.org/presentationml/2006/main">
+  <p:cSld>
+    <p:spTree>
+      <p:nvGrpSpPr>
+        <p:cNvPr id="1" name=""/>
+        <p:cNvGrpSpPr/>
+        <p:nvPr/>
+      </p:nvGrpSpPr>
+      <p:grpSpPr>
+        <a:xfrm>
+          <a:off x="0" y="0"/>
+          <a:ext cx="0" cy="0"/>
+          <a:chOff x="0" y="0"/>
+          <a:chExt cx="0" cy="0"/>
+        </a:xfrm>
+      </p:grpSpPr>
+      <p:sp>
+        <p:nvSpPr>
+          <p:cNvPr id="2" name="タイトル 1"/>
+          <p:cNvSpPr>
+            <a:spLocks noGrp="1"/>
+          </p:cNvSpPr>
+          <p:nvPr>
+            <p:ph type="title"/>
+          </p:nvPr>
+        </p:nvSpPr>
+        <p:spPr>
+          <a:xfrm>
+            <a:off x="628650" y="365126"/>
+            <a:ext cx="3380433" cy="1325563"/>
+          </a:xfrm>
+        </p:spPr>
+        <p:txBody>
+          <a:bodyPr/>
+          <a:lstStyle/>
+          <a:p>
+            <a:r>
+              <a:rPr kumimoji="1" lang="ja-JP" altLang="en-US" dirty="0" smtClean="0"/>
+              <a:t>プログラム</a:t>
+            </a:r>
+            <a:r>
+              <a:rPr kumimoji="1" lang="en-US" altLang="ja-JP" dirty="0" smtClean="0"/>
+              <a:t/>
+            </a:r>
+            <a:br>
+              <a:rPr kumimoji="1" lang="en-US" altLang="ja-JP" dirty="0" smtClean="0"/>
+            </a:br>
+            <a:r>
+              <a:rPr kumimoji="1" lang="ja-JP" altLang="en-US" dirty="0" smtClean="0"/>
+              <a:t>解説</a:t>
+            </a:r>
+            <a:endParaRPr kumimoji="1" lang="ja-JP" altLang="en-US" dirty="0"/>
+          </a:p>
+        </p:txBody>
+      </p:sp>
+      <p:sp>
+        <p:nvSpPr>
+          <p:cNvPr id="3" name="コンテンツ プレースホルダー 2"/>
+          <p:cNvSpPr>
+            <a:spLocks noGrp="1"/>
+          </p:cNvSpPr>
+          <p:nvPr>
+            <p:ph idx="1"/>
+          </p:nvPr>
+        </p:nvSpPr>
+        <p:spPr/>
+        <p:txBody>
+          <a:bodyPr/>
+          <a:lstStyle/>
+          <a:p>
+            <a:endParaRPr kumimoji="1" lang="ja-JP" altLang="en-US"/>
+          </a:p>
+        </p:txBody>
+      </p:sp>
+      <p:pic>
+        <p:nvPicPr>
+          <p:cNvPr id="4" name="図 3"/>
+          <p:cNvPicPr>
+            <a:picLocks noChangeAspect="1"/>
+          </p:cNvPicPr>
+          <p:nvPr/>
+        </p:nvPicPr>
+        <p:blipFill>
+          <a:blip r:embed="rId2"/>
+          <a:stretch>
+            <a:fillRect/>
+          </a:stretch>
+        </p:blipFill>
+        <p:spPr>
+          <a:xfrm>
+            <a:off x="453736" y="1687958"/>
+            <a:ext cx="8458200" cy="4152900"/>
+          </a:xfrm>
+          <a:prstGeom prst="rect">
+            <a:avLst/>
+          </a:prstGeom>
+        </p:spPr>
+      </p:pic>
+      <p:grpSp>
+        <p:nvGrpSpPr>
+          <p:cNvPr id="9" name="図形グループ 8"/>
+          <p:cNvGrpSpPr/>
+          <p:nvPr/>
+        </p:nvGrpSpPr>
+        <p:grpSpPr>
+          <a:xfrm>
+            <a:off x="6135733" y="60326"/>
+            <a:ext cx="447796" cy="1173816"/>
+            <a:chOff x="6883883" y="230190"/>
+            <a:chExt cx="447796" cy="1173816"/>
+          </a:xfrm>
+        </p:grpSpPr>
+        <p:sp>
+          <p:nvSpPr>
+            <p:cNvPr id="5" name="円/楕円 4"/>
+            <p:cNvSpPr/>
+            <p:nvPr/>
+          </p:nvSpPr>
+          <p:spPr>
+            <a:xfrm>
+              <a:off x="6883883" y="230190"/>
+              <a:ext cx="360000" cy="360000"/>
+            </a:xfrm>
+            <a:prstGeom prst="ellipse">
+              <a:avLst/>
+            </a:prstGeom>
+          </p:spPr>
+          <p:style>
+            <a:lnRef idx="2">
+              <a:schemeClr val="accent1">
+                <a:shade val="50000"/>
+              </a:schemeClr>
+            </a:lnRef>
+            <a:fillRef idx="1">
+              <a:schemeClr val="accent1"/>
+            </a:fillRef>
+            <a:effectRef idx="0">
+              <a:schemeClr val="accent1"/>
+            </a:effectRef>
+            <a:fontRef idx="minor">
+              <a:schemeClr val="lt1"/>
+            </a:fontRef>
+          </p:style>
+          <p:txBody>
+            <a:bodyPr rtlCol="0" anchor="ctr"/>
+            <a:lstStyle/>
+            <a:p>
+              <a:pPr algn="ctr"/>
+              <a:endParaRPr kumimoji="1" lang="ja-JP" altLang="en-US"/>
+            </a:p>
+          </p:txBody>
+        </p:sp>
+        <p:sp>
+          <p:nvSpPr>
+            <p:cNvPr id="7" name="円/楕円 6"/>
+            <p:cNvSpPr/>
+            <p:nvPr/>
+          </p:nvSpPr>
+          <p:spPr>
+            <a:xfrm>
+              <a:off x="6883883" y="1044006"/>
+              <a:ext cx="360000" cy="360000"/>
+            </a:xfrm>
+            <a:prstGeom prst="ellipse">
+              <a:avLst/>
+            </a:prstGeom>
+          </p:spPr>
+          <p:style>
+            <a:lnRef idx="2">
+              <a:schemeClr val="accent1">
+                <a:shade val="50000"/>
+              </a:schemeClr>
+            </a:lnRef>
+            <a:fillRef idx="1">
+              <a:schemeClr val="accent1"/>
+            </a:fillRef>
+            <a:effectRef idx="0">
+              <a:schemeClr val="accent1"/>
+            </a:effectRef>
+            <a:fontRef idx="minor">
+              <a:schemeClr val="lt1"/>
+            </a:fontRef>
+          </p:style>
+          <p:txBody>
+            <a:bodyPr rtlCol="0" anchor="ctr"/>
+            <a:lstStyle/>
+            <a:p>
+              <a:pPr algn="ctr"/>
+              <a:endParaRPr kumimoji="1" lang="ja-JP" altLang="en-US"/>
+            </a:p>
+          </p:txBody>
+        </p:sp>
+        <p:sp>
+          <p:nvSpPr>
+            <p:cNvPr id="8" name="テキスト ボックス 7"/>
+            <p:cNvSpPr txBox="1"/>
+            <p:nvPr/>
+          </p:nvSpPr>
+          <p:spPr>
+            <a:xfrm rot="5400000">
+              <a:off x="6975331" y="623455"/>
+              <a:ext cx="343364" cy="369332"/>
+            </a:xfrm>
+            <a:prstGeom prst="rect">
+              <a:avLst/>
+            </a:prstGeom>
+            <a:noFill/>
+          </p:spPr>
+          <p:txBody>
+            <a:bodyPr wrap="none" rtlCol="0">
+              <a:spAutoFit/>
+            </a:bodyPr>
+            <a:lstStyle/>
+            <a:p>
+              <a:pPr algn="ctr"/>
+              <a:r>
+                <a:rPr kumimoji="1" lang="mr-IN" altLang="ja-JP" smtClean="0"/>
+                <a:t>…</a:t>
+              </a:r>
+              <a:endParaRPr kumimoji="1" lang="ja-JP" altLang="en-US" dirty="0"/>
+            </a:p>
+          </p:txBody>
+        </p:sp>
+      </p:grpSp>
+      <p:grpSp>
+        <p:nvGrpSpPr>
+          <p:cNvPr id="10" name="図形グループ 9"/>
+          <p:cNvGrpSpPr/>
+          <p:nvPr/>
+        </p:nvGrpSpPr>
+        <p:grpSpPr>
+          <a:xfrm>
+            <a:off x="7701298" y="60326"/>
+            <a:ext cx="447796" cy="1173816"/>
+            <a:chOff x="6883883" y="230190"/>
+            <a:chExt cx="447796" cy="1173816"/>
+          </a:xfrm>
+        </p:grpSpPr>
+        <p:sp>
+          <p:nvSpPr>
+            <p:cNvPr id="11" name="円/楕円 10"/>
+            <p:cNvSpPr/>
+            <p:nvPr/>
+          </p:nvSpPr>
+          <p:spPr>
+            <a:xfrm>
+              <a:off x="6883883" y="230190"/>
+              <a:ext cx="360000" cy="360000"/>
+            </a:xfrm>
+            <a:prstGeom prst="ellipse">
+              <a:avLst/>
+            </a:prstGeom>
+          </p:spPr>
+          <p:style>
+            <a:lnRef idx="2">
+              <a:schemeClr val="accent1">
+                <a:shade val="50000"/>
+              </a:schemeClr>
+            </a:lnRef>
+            <a:fillRef idx="1">
+              <a:schemeClr val="accent1"/>
+            </a:fillRef>
+            <a:effectRef idx="0">
+              <a:schemeClr val="accent1"/>
+            </a:effectRef>
+            <a:fontRef idx="minor">
+              <a:schemeClr val="lt1"/>
+            </a:fontRef>
+          </p:style>
+          <p:txBody>
+            <a:bodyPr rtlCol="0" anchor="ctr"/>
+            <a:lstStyle/>
+            <a:p>
+              <a:pPr algn="ctr"/>
+              <a:endParaRPr kumimoji="1" lang="ja-JP" altLang="en-US"/>
+            </a:p>
+          </p:txBody>
+        </p:sp>
+        <p:sp>
+          <p:nvSpPr>
+            <p:cNvPr id="12" name="円/楕円 11"/>
+            <p:cNvSpPr/>
+            <p:nvPr/>
+          </p:nvSpPr>
+          <p:spPr>
+            <a:xfrm>
+              <a:off x="6883883" y="1044006"/>
+              <a:ext cx="360000" cy="360000"/>
+            </a:xfrm>
+            <a:prstGeom prst="ellipse">
+              <a:avLst/>
+            </a:prstGeom>
+          </p:spPr>
+          <p:style>
+            <a:lnRef idx="2">
+              <a:schemeClr val="accent1">
+                <a:shade val="50000"/>
+              </a:schemeClr>
+            </a:lnRef>
+            <a:fillRef idx="1">
+              <a:schemeClr val="accent1"/>
+            </a:fillRef>
+            <a:effectRef idx="0">
+              <a:schemeClr val="accent1"/>
+            </a:effectRef>
+            <a:fontRef idx="minor">
+              <a:schemeClr val="lt1"/>
+            </a:fontRef>
+          </p:style>
+          <p:txBody>
+            <a:bodyPr rtlCol="0" anchor="ctr"/>
+            <a:lstStyle/>
+            <a:p>
+              <a:pPr algn="ctr"/>
+              <a:endParaRPr kumimoji="1" lang="ja-JP" altLang="en-US"/>
+            </a:p>
+          </p:txBody>
+        </p:sp>
+        <p:sp>
+          <p:nvSpPr>
+            <p:cNvPr id="13" name="テキスト ボックス 12"/>
+            <p:cNvSpPr txBox="1"/>
+            <p:nvPr/>
+          </p:nvSpPr>
+          <p:spPr>
+            <a:xfrm rot="5400000">
+              <a:off x="6975331" y="623455"/>
+              <a:ext cx="343364" cy="369332"/>
+            </a:xfrm>
+            <a:prstGeom prst="rect">
+              <a:avLst/>
+            </a:prstGeom>
+            <a:noFill/>
+          </p:spPr>
+          <p:txBody>
+            <a:bodyPr wrap="none" rtlCol="0">
+              <a:spAutoFit/>
+            </a:bodyPr>
+            <a:lstStyle/>
+            <a:p>
+              <a:pPr algn="ctr"/>
+              <a:r>
+                <a:rPr kumimoji="1" lang="mr-IN" altLang="ja-JP" smtClean="0"/>
+                <a:t>…</a:t>
+              </a:r>
+              <a:endParaRPr kumimoji="1" lang="ja-JP" altLang="en-US" dirty="0"/>
+            </a:p>
+          </p:txBody>
+        </p:sp>
+      </p:grpSp>
+      <p:grpSp>
+        <p:nvGrpSpPr>
+          <p:cNvPr id="14" name="図形グループ 13"/>
+          <p:cNvGrpSpPr/>
+          <p:nvPr/>
+        </p:nvGrpSpPr>
+        <p:grpSpPr>
+          <a:xfrm>
+            <a:off x="6969704" y="60326"/>
+            <a:ext cx="447796" cy="1173816"/>
+            <a:chOff x="6883883" y="230190"/>
+            <a:chExt cx="447796" cy="1173816"/>
+          </a:xfrm>
+        </p:grpSpPr>
+        <p:sp>
+          <p:nvSpPr>
+            <p:cNvPr id="15" name="円/楕円 14"/>
+            <p:cNvSpPr/>
+            <p:nvPr/>
+          </p:nvSpPr>
+          <p:spPr>
+            <a:xfrm>
+              <a:off x="6883883" y="230190"/>
+              <a:ext cx="360000" cy="360000"/>
+            </a:xfrm>
+            <a:prstGeom prst="ellipse">
+              <a:avLst/>
+            </a:prstGeom>
+          </p:spPr>
+          <p:style>
+            <a:lnRef idx="2">
+              <a:schemeClr val="accent1">
+                <a:shade val="50000"/>
+              </a:schemeClr>
+            </a:lnRef>
+            <a:fillRef idx="1">
+              <a:schemeClr val="accent1"/>
+            </a:fillRef>
+            <a:effectRef idx="0">
+              <a:schemeClr val="accent1"/>
+            </a:effectRef>
+            <a:fontRef idx="minor">
+              <a:schemeClr val="lt1"/>
+            </a:fontRef>
+          </p:style>
+          <p:txBody>
+            <a:bodyPr rtlCol="0" anchor="ctr"/>
+            <a:lstStyle/>
+            <a:p>
+              <a:pPr algn="ctr"/>
+              <a:endParaRPr kumimoji="1" lang="ja-JP" altLang="en-US"/>
+            </a:p>
+          </p:txBody>
+        </p:sp>
+        <p:sp>
+          <p:nvSpPr>
+            <p:cNvPr id="16" name="円/楕円 15"/>
+            <p:cNvSpPr/>
+            <p:nvPr/>
+          </p:nvSpPr>
+          <p:spPr>
+            <a:xfrm>
+              <a:off x="6883883" y="1044006"/>
+              <a:ext cx="360000" cy="360000"/>
+            </a:xfrm>
+            <a:prstGeom prst="ellipse">
+              <a:avLst/>
+            </a:prstGeom>
+          </p:spPr>
+          <p:style>
+            <a:lnRef idx="2">
+              <a:schemeClr val="accent1">
+                <a:shade val="50000"/>
+              </a:schemeClr>
+            </a:lnRef>
+            <a:fillRef idx="1">
+              <a:schemeClr val="accent1"/>
+            </a:fillRef>
+            <a:effectRef idx="0">
+              <a:schemeClr val="accent1"/>
+            </a:effectRef>
+            <a:fontRef idx="minor">
+              <a:schemeClr val="lt1"/>
+            </a:fontRef>
+          </p:style>
+          <p:txBody>
+            <a:bodyPr rtlCol="0" anchor="ctr"/>
+            <a:lstStyle/>
+            <a:p>
+              <a:pPr algn="ctr"/>
+              <a:endParaRPr kumimoji="1" lang="ja-JP" altLang="en-US"/>
+            </a:p>
+          </p:txBody>
+        </p:sp>
+        <p:sp>
+          <p:nvSpPr>
+            <p:cNvPr id="17" name="テキスト ボックス 16"/>
+            <p:cNvSpPr txBox="1"/>
+            <p:nvPr/>
+          </p:nvSpPr>
+          <p:spPr>
+            <a:xfrm rot="5400000">
+              <a:off x="6975331" y="623455"/>
+              <a:ext cx="343364" cy="369332"/>
+            </a:xfrm>
+            <a:prstGeom prst="rect">
+              <a:avLst/>
+            </a:prstGeom>
+            <a:noFill/>
+          </p:spPr>
+          <p:txBody>
+            <a:bodyPr wrap="none" rtlCol="0">
+              <a:spAutoFit/>
+            </a:bodyPr>
+            <a:lstStyle/>
+            <a:p>
+              <a:pPr algn="ctr"/>
+              <a:r>
+                <a:rPr kumimoji="1" lang="mr-IN" altLang="ja-JP" smtClean="0"/>
+                <a:t>…</a:t>
+              </a:r>
+              <a:endParaRPr kumimoji="1" lang="ja-JP" altLang="en-US" dirty="0"/>
+            </a:p>
+          </p:txBody>
+        </p:sp>
+      </p:grpSp>
+      <p:sp>
+        <p:nvSpPr>
+          <p:cNvPr id="18" name="テキスト ボックス 17"/>
+          <p:cNvSpPr txBox="1"/>
+          <p:nvPr/>
+        </p:nvSpPr>
+        <p:spPr>
+          <a:xfrm>
+            <a:off x="6722076" y="1179294"/>
+            <a:ext cx="885179" cy="646331"/>
+          </a:xfrm>
+          <a:prstGeom prst="rect">
+            <a:avLst/>
+          </a:prstGeom>
+          <a:noFill/>
+        </p:spPr>
+        <p:txBody>
+          <a:bodyPr wrap="none" rtlCol="0">
+            <a:spAutoFit/>
+          </a:bodyPr>
+          <a:lstStyle/>
+          <a:p>
+            <a:pPr algn="ctr"/>
+            <a:r>
+              <a:rPr lang="en-US" altLang="ja-JP" dirty="0" err="1" smtClean="0"/>
+              <a:t>n</a:t>
+            </a:r>
+            <a:r>
+              <a:rPr kumimoji="1" lang="en-US" altLang="ja-JP" dirty="0" err="1" smtClean="0"/>
+              <a:t>_units</a:t>
+            </a:r>
+            <a:r>
+              <a:rPr kumimoji="1" lang="en-US" altLang="ja-JP" dirty="0" smtClean="0"/>
+              <a:t/>
+            </a:r>
+            <a:br>
+              <a:rPr kumimoji="1" lang="en-US" altLang="ja-JP" dirty="0" smtClean="0"/>
+            </a:br>
+            <a:r>
+              <a:rPr kumimoji="1" lang="en-US" altLang="ja-JP" dirty="0" smtClean="0"/>
+              <a:t>(1024)</a:t>
+            </a:r>
+            <a:endParaRPr kumimoji="1" lang="ja-JP" altLang="en-US" dirty="0"/>
+          </a:p>
+        </p:txBody>
+      </p:sp>
+      <p:sp>
+        <p:nvSpPr>
+          <p:cNvPr id="19" name="テキスト ボックス 18"/>
+          <p:cNvSpPr txBox="1"/>
+          <p:nvPr/>
+        </p:nvSpPr>
+        <p:spPr>
+          <a:xfrm>
+            <a:off x="8307529" y="466575"/>
+            <a:ext cx="742511" cy="646331"/>
+          </a:xfrm>
+          <a:prstGeom prst="rect">
+            <a:avLst/>
+          </a:prstGeom>
+          <a:noFill/>
+        </p:spPr>
+        <p:txBody>
+          <a:bodyPr wrap="none" rtlCol="0">
+            <a:spAutoFit/>
+          </a:bodyPr>
+          <a:lstStyle/>
+          <a:p>
+            <a:pPr algn="ctr"/>
+            <a:r>
+              <a:rPr lang="en-US" altLang="ja-JP" dirty="0" err="1" smtClean="0"/>
+              <a:t>n_out</a:t>
+            </a:r>
+            <a:r>
+              <a:rPr lang="en-US" altLang="ja-JP" dirty="0" smtClean="0"/>
+              <a:t/>
+            </a:r>
+            <a:br>
+              <a:rPr lang="en-US" altLang="ja-JP" dirty="0" smtClean="0"/>
+            </a:br>
+            <a:r>
+              <a:rPr lang="en-US" altLang="ja-JP" dirty="0" smtClean="0"/>
+              <a:t>(</a:t>
+            </a:r>
+            <a:r>
+              <a:rPr kumimoji="1" lang="en-US" altLang="ja-JP" dirty="0" smtClean="0"/>
+              <a:t>10)</a:t>
+            </a:r>
+            <a:endParaRPr kumimoji="1" lang="ja-JP" altLang="en-US" dirty="0"/>
+          </a:p>
+        </p:txBody>
+      </p:sp>
+      <p:cxnSp>
+        <p:nvCxnSpPr>
+          <p:cNvPr id="21" name="直線矢印コネクタ 20"/>
+          <p:cNvCxnSpPr>
+            <a:stCxn id="5" idx="6"/>
+            <a:endCxn id="16" idx="2"/>
+          </p:cNvCxnSpPr>
+          <p:nvPr/>
+        </p:nvCxnSpPr>
+        <p:spPr>
+          <a:xfrm>
+            <a:off x="6495733" y="240326"/>
+            <a:ext cx="473971" cy="813816"/>
+          </a:xfrm>
+          <a:prstGeom prst="straightConnector1">
+            <a:avLst/>
+          </a:prstGeom>
+          <a:ln>
+            <a:tailEnd type="triangle"/>
+          </a:ln>
+        </p:spPr>
+        <p:style>
+          <a:lnRef idx="1">
+            <a:schemeClr val="accent1"/>
+          </a:lnRef>
+          <a:fillRef idx="0">
+            <a:schemeClr val="accent1"/>
+          </a:fillRef>
+          <a:effectRef idx="0">
+            <a:schemeClr val="accent1"/>
+          </a:effectRef>
+          <a:fontRef idx="minor">
+            <a:schemeClr val="tx1"/>
+          </a:fontRef>
+        </p:style>
+      </p:cxnSp>
+      <p:cxnSp>
+        <p:nvCxnSpPr>
+          <p:cNvPr id="22" name="直線矢印コネクタ 21"/>
+          <p:cNvCxnSpPr>
+            <a:stCxn id="7" idx="6"/>
+            <a:endCxn id="15" idx="2"/>
+          </p:cNvCxnSpPr>
+          <p:nvPr/>
+        </p:nvCxnSpPr>
+        <p:spPr>
+          <a:xfrm flipV="1">
+            <a:off x="6495733" y="240326"/>
+            <a:ext cx="473971" cy="813816"/>
+          </a:xfrm>
+          <a:prstGeom prst="straightConnector1">
+            <a:avLst/>
+          </a:prstGeom>
+          <a:ln>
+            <a:tailEnd type="triangle"/>
+          </a:ln>
+        </p:spPr>
+        <p:style>
+          <a:lnRef idx="1">
+            <a:schemeClr val="accent1"/>
+          </a:lnRef>
+          <a:fillRef idx="0">
+            <a:schemeClr val="accent1"/>
+          </a:fillRef>
+          <a:effectRef idx="0">
+            <a:schemeClr val="accent1"/>
+          </a:effectRef>
+          <a:fontRef idx="minor">
+            <a:schemeClr val="tx1"/>
+          </a:fontRef>
+        </p:style>
+      </p:cxnSp>
+      <p:cxnSp>
+        <p:nvCxnSpPr>
+          <p:cNvPr id="25" name="直線矢印コネクタ 24"/>
+          <p:cNvCxnSpPr>
+            <a:stCxn id="5" idx="6"/>
+            <a:endCxn id="15" idx="2"/>
+          </p:cNvCxnSpPr>
+          <p:nvPr/>
+        </p:nvCxnSpPr>
+        <p:spPr>
+          <a:xfrm>
+            <a:off x="6495733" y="240326"/>
+            <a:ext cx="473971" cy="0"/>
+          </a:xfrm>
+          <a:prstGeom prst="straightConnector1">
+            <a:avLst/>
+          </a:prstGeom>
+          <a:ln>
+            <a:tailEnd type="triangle"/>
+          </a:ln>
+        </p:spPr>
+        <p:style>
+          <a:lnRef idx="1">
+            <a:schemeClr val="accent1"/>
+          </a:lnRef>
+          <a:fillRef idx="0">
+            <a:schemeClr val="accent1"/>
+          </a:fillRef>
+          <a:effectRef idx="0">
+            <a:schemeClr val="accent1"/>
+          </a:effectRef>
+          <a:fontRef idx="minor">
+            <a:schemeClr val="tx1"/>
+          </a:fontRef>
+        </p:style>
+      </p:cxnSp>
+      <p:cxnSp>
+        <p:nvCxnSpPr>
+          <p:cNvPr id="28" name="直線矢印コネクタ 27"/>
+          <p:cNvCxnSpPr>
+            <a:stCxn id="7" idx="6"/>
+            <a:endCxn id="16" idx="2"/>
+          </p:cNvCxnSpPr>
+          <p:nvPr/>
+        </p:nvCxnSpPr>
+        <p:spPr>
+          <a:xfrm>
+            <a:off x="6495733" y="1054142"/>
+            <a:ext cx="473971" cy="0"/>
+          </a:xfrm>
+          <a:prstGeom prst="straightConnector1">
+            <a:avLst/>
+          </a:prstGeom>
+          <a:ln>
+            <a:tailEnd type="triangle"/>
+          </a:ln>
+        </p:spPr>
+        <p:style>
+          <a:lnRef idx="1">
+            <a:schemeClr val="accent1"/>
+          </a:lnRef>
+          <a:fillRef idx="0">
+            <a:schemeClr val="accent1"/>
+          </a:fillRef>
+          <a:effectRef idx="0">
+            <a:schemeClr val="accent1"/>
+          </a:effectRef>
+          <a:fontRef idx="minor">
+            <a:schemeClr val="tx1"/>
+          </a:fontRef>
+        </p:style>
+      </p:cxnSp>
+      <p:cxnSp>
+        <p:nvCxnSpPr>
+          <p:cNvPr id="31" name="直線矢印コネクタ 30"/>
+          <p:cNvCxnSpPr>
+            <a:stCxn id="34" idx="6"/>
+          </p:cNvCxnSpPr>
+          <p:nvPr/>
+        </p:nvCxnSpPr>
+        <p:spPr>
+          <a:xfrm>
+            <a:off x="7356542" y="224832"/>
+            <a:ext cx="335424" cy="813816"/>
+          </a:xfrm>
+          <a:prstGeom prst="straightConnector1">
+            <a:avLst/>
+          </a:prstGeom>
+          <a:ln>
+            <a:tailEnd type="triangle"/>
+          </a:ln>
+        </p:spPr>
+        <p:style>
+          <a:lnRef idx="1">
+            <a:schemeClr val="accent1"/>
+          </a:lnRef>
+          <a:fillRef idx="0">
+            <a:schemeClr val="accent1"/>
+          </a:fillRef>
+          <a:effectRef idx="0">
+            <a:schemeClr val="accent1"/>
+          </a:effectRef>
+          <a:fontRef idx="minor">
+            <a:schemeClr val="tx1"/>
+          </a:fontRef>
+        </p:style>
+      </p:cxnSp>
+      <p:cxnSp>
+        <p:nvCxnSpPr>
+          <p:cNvPr id="32" name="直線矢印コネクタ 31"/>
+          <p:cNvCxnSpPr/>
+          <p:nvPr/>
+        </p:nvCxnSpPr>
+        <p:spPr>
+          <a:xfrm flipV="1">
+            <a:off x="7356542" y="224832"/>
+            <a:ext cx="335424" cy="813816"/>
+          </a:xfrm>
+          <a:prstGeom prst="straightConnector1">
+            <a:avLst/>
+          </a:prstGeom>
+          <a:ln>
+            <a:tailEnd type="triangle"/>
+          </a:ln>
+        </p:spPr>
+        <p:style>
+          <a:lnRef idx="1">
+            <a:schemeClr val="accent1"/>
+          </a:lnRef>
+          <a:fillRef idx="0">
+            <a:schemeClr val="accent1"/>
+          </a:fillRef>
+          <a:effectRef idx="0">
+            <a:schemeClr val="accent1"/>
+          </a:effectRef>
+          <a:fontRef idx="minor">
+            <a:schemeClr val="tx1"/>
+          </a:fontRef>
+        </p:style>
+      </p:cxnSp>
+      <p:cxnSp>
+        <p:nvCxnSpPr>
+          <p:cNvPr id="33" name="直線矢印コネクタ 32"/>
+          <p:cNvCxnSpPr>
+            <a:stCxn id="34" idx="6"/>
+          </p:cNvCxnSpPr>
+          <p:nvPr/>
+        </p:nvCxnSpPr>
+        <p:spPr>
+          <a:xfrm>
+            <a:off x="7356542" y="224832"/>
+            <a:ext cx="335424" cy="0"/>
+          </a:xfrm>
+          <a:prstGeom prst="straightConnector1">
+            <a:avLst/>
+          </a:prstGeom>
+          <a:ln>
+            <a:tailEnd type="triangle"/>
+          </a:ln>
+        </p:spPr>
+        <p:style>
+          <a:lnRef idx="1">
+            <a:schemeClr val="accent1"/>
+          </a:lnRef>
+          <a:fillRef idx="0">
+            <a:schemeClr val="accent1"/>
+          </a:fillRef>
+          <a:effectRef idx="0">
+            <a:schemeClr val="accent1"/>
+          </a:effectRef>
+          <a:fontRef idx="minor">
+            <a:schemeClr val="tx1"/>
+          </a:fontRef>
+        </p:style>
+      </p:cxnSp>
+      <p:cxnSp>
+        <p:nvCxnSpPr>
+          <p:cNvPr id="34" name="直線矢印コネクタ 33"/>
+          <p:cNvCxnSpPr/>
+          <p:nvPr/>
+        </p:nvCxnSpPr>
+        <p:spPr>
+          <a:xfrm>
+            <a:off x="7356542" y="1038648"/>
+            <a:ext cx="335424" cy="0"/>
+          </a:xfrm>
+          <a:prstGeom prst="straightConnector1">
+            <a:avLst/>
+          </a:prstGeom>
+          <a:ln>
+            <a:tailEnd type="triangle"/>
+          </a:ln>
+        </p:spPr>
+        <p:style>
+          <a:lnRef idx="1">
+            <a:schemeClr val="accent1"/>
+          </a:lnRef>
+          <a:fillRef idx="0">
+            <a:schemeClr val="accent1"/>
+          </a:fillRef>
+          <a:effectRef idx="0">
+            <a:schemeClr val="accent1"/>
+          </a:effectRef>
+          <a:fontRef idx="minor">
+            <a:schemeClr val="tx1"/>
+          </a:fontRef>
+        </p:style>
+      </p:cxnSp>
+      <p:cxnSp>
+        <p:nvCxnSpPr>
+          <p:cNvPr id="36" name="直線矢印コネクタ 35"/>
+          <p:cNvCxnSpPr/>
+          <p:nvPr/>
+        </p:nvCxnSpPr>
+        <p:spPr>
+          <a:xfrm>
+            <a:off x="8307529" y="60326"/>
+            <a:ext cx="0" cy="1173816"/>
+          </a:xfrm>
+          <a:prstGeom prst="straightConnector1">
+            <a:avLst/>
+          </a:prstGeom>
+          <a:ln>
+            <a:headEnd type="triangle"/>
+            <a:tailEnd type="triangle"/>
+          </a:ln>
+        </p:spPr>
+        <p:style>
+          <a:lnRef idx="1">
+            <a:schemeClr val="accent1"/>
+          </a:lnRef>
+          <a:fillRef idx="0">
+            <a:schemeClr val="accent1"/>
+          </a:fillRef>
+          <a:effectRef idx="0">
+            <a:schemeClr val="accent1"/>
+          </a:effectRef>
+          <a:fontRef idx="minor">
+            <a:schemeClr val="tx1"/>
+          </a:fontRef>
+        </p:style>
+      </p:cxnSp>
+      <p:cxnSp>
+        <p:nvCxnSpPr>
+          <p:cNvPr id="37" name="直線矢印コネクタ 36"/>
+          <p:cNvCxnSpPr/>
+          <p:nvPr/>
+        </p:nvCxnSpPr>
+        <p:spPr>
+          <a:xfrm>
+            <a:off x="5481198" y="60326"/>
+            <a:ext cx="0" cy="1173816"/>
+          </a:xfrm>
+          <a:prstGeom prst="straightConnector1">
+            <a:avLst/>
+          </a:prstGeom>
+          <a:ln>
+            <a:headEnd type="triangle"/>
+            <a:tailEnd type="triangle"/>
+          </a:ln>
+        </p:spPr>
+        <p:style>
+          <a:lnRef idx="1">
+            <a:schemeClr val="accent1"/>
+          </a:lnRef>
+          <a:fillRef idx="0">
+            <a:schemeClr val="accent1"/>
+          </a:fillRef>
+          <a:effectRef idx="0">
+            <a:schemeClr val="accent1"/>
+          </a:effectRef>
+          <a:fontRef idx="minor">
+            <a:schemeClr val="tx1"/>
+          </a:fontRef>
+        </p:style>
+      </p:cxnSp>
+      <p:sp>
+        <p:nvSpPr>
+          <p:cNvPr id="38" name="テキスト ボックス 37"/>
+          <p:cNvSpPr txBox="1"/>
+          <p:nvPr/>
+        </p:nvSpPr>
+        <p:spPr>
+          <a:xfrm>
+            <a:off x="4246405" y="189707"/>
+            <a:ext cx="1024639" cy="923330"/>
+          </a:xfrm>
+          <a:prstGeom prst="rect">
+            <a:avLst/>
+          </a:prstGeom>
+          <a:noFill/>
+        </p:spPr>
+        <p:txBody>
+          <a:bodyPr wrap="none" rtlCol="0">
+            <a:spAutoFit/>
+          </a:bodyPr>
+          <a:lstStyle/>
+          <a:p>
+            <a:pPr algn="ctr"/>
+            <a:r>
+              <a:rPr lang="en-US" altLang="ja-JP" dirty="0" smtClean="0"/>
+              <a:t>input</a:t>
+            </a:r>
+          </a:p>
+          <a:p>
+            <a:pPr algn="ctr"/>
+            <a:r>
+              <a:rPr lang="en-US" altLang="ja-JP" dirty="0" smtClean="0"/>
+              <a:t>(756)</a:t>
+            </a:r>
+            <a:br>
+              <a:rPr lang="en-US" altLang="ja-JP" dirty="0" smtClean="0"/>
+            </a:br>
+            <a:r>
+              <a:rPr lang="en-US" altLang="ja-JP" dirty="0" smtClean="0"/>
+              <a:t>(=28*28)</a:t>
+            </a:r>
+            <a:endParaRPr kumimoji="1" lang="ja-JP" altLang="en-US" dirty="0"/>
+          </a:p>
+        </p:txBody>
+      </p:sp>
+      <p:sp>
+        <p:nvSpPr>
+          <p:cNvPr id="39" name="テキスト ボックス 38"/>
+          <p:cNvSpPr txBox="1"/>
+          <p:nvPr/>
+        </p:nvSpPr>
+        <p:spPr>
+          <a:xfrm>
+            <a:off x="4535227" y="4849091"/>
+            <a:ext cx="2629438" cy="369332"/>
+          </a:xfrm>
+          <a:prstGeom prst="rect">
+            <a:avLst/>
+          </a:prstGeom>
+          <a:noFill/>
+        </p:spPr>
+        <p:txBody>
+          <a:bodyPr wrap="none" rtlCol="0">
+            <a:spAutoFit/>
+          </a:bodyPr>
+          <a:lstStyle/>
+          <a:p>
+            <a:r>
+              <a:rPr kumimoji="1" lang="ja-JP" altLang="en-US" dirty="0" smtClean="0"/>
+              <a:t>活性化関数は</a:t>
+            </a:r>
+            <a:r>
+              <a:rPr kumimoji="1" lang="en-US" altLang="ja-JP" dirty="0" err="1" smtClean="0"/>
+              <a:t>relu</a:t>
+            </a:r>
+            <a:r>
+              <a:rPr kumimoji="1" lang="ja-JP" altLang="en-US" dirty="0" smtClean="0"/>
+              <a:t>を使用</a:t>
+            </a:r>
+            <a:endParaRPr kumimoji="1" lang="ja-JP" altLang="en-US" dirty="0"/>
+          </a:p>
+        </p:txBody>
+      </p:sp>
+      <p:grpSp>
+        <p:nvGrpSpPr>
+          <p:cNvPr id="40" name="図形グループ 39"/>
+          <p:cNvGrpSpPr/>
+          <p:nvPr/>
+        </p:nvGrpSpPr>
+        <p:grpSpPr>
+          <a:xfrm>
+            <a:off x="5274281" y="66253"/>
+            <a:ext cx="447796" cy="1173816"/>
+            <a:chOff x="6883883" y="230190"/>
+            <a:chExt cx="447796" cy="1173816"/>
+          </a:xfrm>
+        </p:grpSpPr>
+        <p:sp>
+          <p:nvSpPr>
+            <p:cNvPr id="41" name="円/楕円 40"/>
+            <p:cNvSpPr/>
+            <p:nvPr/>
+          </p:nvSpPr>
+          <p:spPr>
+            <a:xfrm>
+              <a:off x="6883883" y="230190"/>
+              <a:ext cx="360000" cy="360000"/>
+            </a:xfrm>
+            <a:prstGeom prst="ellipse">
+              <a:avLst/>
+            </a:prstGeom>
+          </p:spPr>
+          <p:style>
+            <a:lnRef idx="2">
+              <a:schemeClr val="accent1">
+                <a:shade val="50000"/>
+              </a:schemeClr>
+            </a:lnRef>
+            <a:fillRef idx="1">
+              <a:schemeClr val="accent1"/>
+            </a:fillRef>
+            <a:effectRef idx="0">
+              <a:schemeClr val="accent1"/>
+            </a:effectRef>
+            <a:fontRef idx="minor">
+              <a:schemeClr val="lt1"/>
+            </a:fontRef>
+          </p:style>
+          <p:txBody>
+            <a:bodyPr rtlCol="0" anchor="ctr"/>
+            <a:lstStyle/>
+            <a:p>
+              <a:pPr algn="ctr"/>
+              <a:endParaRPr kumimoji="1" lang="ja-JP" altLang="en-US"/>
+            </a:p>
+          </p:txBody>
+        </p:sp>
+        <p:sp>
+          <p:nvSpPr>
+            <p:cNvPr id="42" name="円/楕円 41"/>
+            <p:cNvSpPr/>
+            <p:nvPr/>
+          </p:nvSpPr>
+          <p:spPr>
+            <a:xfrm>
+              <a:off x="6883883" y="1044006"/>
+              <a:ext cx="360000" cy="360000"/>
+            </a:xfrm>
+            <a:prstGeom prst="ellipse">
+              <a:avLst/>
+            </a:prstGeom>
+          </p:spPr>
+          <p:style>
+            <a:lnRef idx="2">
+              <a:schemeClr val="accent1">
+                <a:shade val="50000"/>
+              </a:schemeClr>
+            </a:lnRef>
+            <a:fillRef idx="1">
+              <a:schemeClr val="accent1"/>
+            </a:fillRef>
+            <a:effectRef idx="0">
+              <a:schemeClr val="accent1"/>
+            </a:effectRef>
+            <a:fontRef idx="minor">
+              <a:schemeClr val="lt1"/>
+            </a:fontRef>
+          </p:style>
+          <p:txBody>
+            <a:bodyPr rtlCol="0" anchor="ctr"/>
+            <a:lstStyle/>
+            <a:p>
+              <a:pPr algn="ctr"/>
+              <a:endParaRPr kumimoji="1" lang="ja-JP" altLang="en-US"/>
+            </a:p>
+          </p:txBody>
+        </p:sp>
+        <p:sp>
+          <p:nvSpPr>
+            <p:cNvPr id="43" name="テキスト ボックス 42"/>
+            <p:cNvSpPr txBox="1"/>
+            <p:nvPr/>
+          </p:nvSpPr>
+          <p:spPr>
+            <a:xfrm rot="5400000">
+              <a:off x="6975331" y="623455"/>
+              <a:ext cx="343364" cy="369332"/>
+            </a:xfrm>
+            <a:prstGeom prst="rect">
+              <a:avLst/>
+            </a:prstGeom>
+            <a:noFill/>
+          </p:spPr>
+          <p:txBody>
+            <a:bodyPr wrap="none" rtlCol="0">
+              <a:spAutoFit/>
+            </a:bodyPr>
+            <a:lstStyle/>
+            <a:p>
+              <a:pPr algn="ctr"/>
+              <a:r>
+                <a:rPr kumimoji="1" lang="mr-IN" altLang="ja-JP" smtClean="0"/>
+                <a:t>…</a:t>
+              </a:r>
+              <a:endParaRPr kumimoji="1" lang="ja-JP" altLang="en-US" dirty="0"/>
+            </a:p>
+          </p:txBody>
+        </p:sp>
+      </p:grpSp>
+      <p:cxnSp>
+        <p:nvCxnSpPr>
+          <p:cNvPr id="44" name="直線矢印コネクタ 43"/>
+          <p:cNvCxnSpPr>
+            <a:stCxn id="43" idx="6"/>
+          </p:cNvCxnSpPr>
+          <p:nvPr/>
+        </p:nvCxnSpPr>
+        <p:spPr>
+          <a:xfrm>
+            <a:off x="5634281" y="246253"/>
+            <a:ext cx="473971" cy="813816"/>
+          </a:xfrm>
+          <a:prstGeom prst="straightConnector1">
+            <a:avLst/>
+          </a:prstGeom>
+          <a:ln>
+            <a:tailEnd type="triangle"/>
+          </a:ln>
+        </p:spPr>
+        <p:style>
+          <a:lnRef idx="1">
+            <a:schemeClr val="accent1"/>
+          </a:lnRef>
+          <a:fillRef idx="0">
+            <a:schemeClr val="accent1"/>
+          </a:fillRef>
+          <a:effectRef idx="0">
+            <a:schemeClr val="accent1"/>
+          </a:effectRef>
+          <a:fontRef idx="minor">
+            <a:schemeClr val="tx1"/>
+          </a:fontRef>
+        </p:style>
+      </p:cxnSp>
+      <p:cxnSp>
+        <p:nvCxnSpPr>
+          <p:cNvPr id="45" name="直線矢印コネクタ 44"/>
+          <p:cNvCxnSpPr>
+            <a:stCxn id="45" idx="6"/>
+          </p:cNvCxnSpPr>
+          <p:nvPr/>
+        </p:nvCxnSpPr>
+        <p:spPr>
+          <a:xfrm flipV="1">
+            <a:off x="5634281" y="246253"/>
+            <a:ext cx="473971" cy="813816"/>
+          </a:xfrm>
+          <a:prstGeom prst="straightConnector1">
+            <a:avLst/>
+          </a:prstGeom>
+          <a:ln>
+            <a:tailEnd type="triangle"/>
+          </a:ln>
+        </p:spPr>
+        <p:style>
+          <a:lnRef idx="1">
+            <a:schemeClr val="accent1"/>
+          </a:lnRef>
+          <a:fillRef idx="0">
+            <a:schemeClr val="accent1"/>
+          </a:fillRef>
+          <a:effectRef idx="0">
+            <a:schemeClr val="accent1"/>
+          </a:effectRef>
+          <a:fontRef idx="minor">
+            <a:schemeClr val="tx1"/>
+          </a:fontRef>
+        </p:style>
+      </p:cxnSp>
+      <p:cxnSp>
+        <p:nvCxnSpPr>
+          <p:cNvPr id="46" name="直線矢印コネクタ 45"/>
+          <p:cNvCxnSpPr>
+            <a:stCxn id="43" idx="6"/>
+          </p:cNvCxnSpPr>
+          <p:nvPr/>
+        </p:nvCxnSpPr>
+        <p:spPr>
+          <a:xfrm>
+            <a:off x="5634281" y="246253"/>
+            <a:ext cx="473971" cy="0"/>
+          </a:xfrm>
+          <a:prstGeom prst="straightConnector1">
+            <a:avLst/>
+          </a:prstGeom>
+          <a:ln>
+            <a:tailEnd type="triangle"/>
+          </a:ln>
+        </p:spPr>
+        <p:style>
+          <a:lnRef idx="1">
+            <a:schemeClr val="accent1"/>
+          </a:lnRef>
+          <a:fillRef idx="0">
+            <a:schemeClr val="accent1"/>
+          </a:fillRef>
+          <a:effectRef idx="0">
+            <a:schemeClr val="accent1"/>
+          </a:effectRef>
+          <a:fontRef idx="minor">
+            <a:schemeClr val="tx1"/>
+          </a:fontRef>
+        </p:style>
+      </p:cxnSp>
+      <p:cxnSp>
+        <p:nvCxnSpPr>
+          <p:cNvPr id="47" name="直線矢印コネクタ 46"/>
+          <p:cNvCxnSpPr>
+            <a:stCxn id="45" idx="6"/>
+          </p:cNvCxnSpPr>
+          <p:nvPr/>
+        </p:nvCxnSpPr>
+        <p:spPr>
+          <a:xfrm>
+            <a:off x="5634281" y="1060069"/>
+            <a:ext cx="473971" cy="0"/>
+          </a:xfrm>
+          <a:prstGeom prst="straightConnector1">
+            <a:avLst/>
+          </a:prstGeom>
+          <a:ln>
+            <a:tailEnd type="triangle"/>
+          </a:ln>
+        </p:spPr>
+        <p:style>
+          <a:lnRef idx="1">
+            <a:schemeClr val="accent1"/>
+          </a:lnRef>
+          <a:fillRef idx="0">
+            <a:schemeClr val="accent1"/>
+          </a:fillRef>
+          <a:effectRef idx="0">
+            <a:schemeClr val="accent1"/>
+          </a:effectRef>
+          <a:fontRef idx="minor">
+            <a:schemeClr val="tx1"/>
+          </a:fontRef>
+        </p:style>
+      </p:cxnSp>
+      <p:sp>
+        <p:nvSpPr>
+          <p:cNvPr id="48" name="テキスト ボックス 47"/>
+          <p:cNvSpPr txBox="1"/>
+          <p:nvPr/>
+        </p:nvSpPr>
+        <p:spPr>
+          <a:xfrm>
+            <a:off x="5863259" y="1181464"/>
+            <a:ext cx="885179" cy="646331"/>
+          </a:xfrm>
+          <a:prstGeom prst="rect">
+            <a:avLst/>
+          </a:prstGeom>
+          <a:noFill/>
+        </p:spPr>
+        <p:txBody>
+          <a:bodyPr wrap="none" rtlCol="0">
+            <a:spAutoFit/>
+          </a:bodyPr>
+          <a:lstStyle/>
+          <a:p>
+            <a:pPr algn="ctr"/>
+            <a:r>
+              <a:rPr lang="en-US" altLang="ja-JP" dirty="0" err="1" smtClean="0"/>
+              <a:t>n</a:t>
+            </a:r>
+            <a:r>
+              <a:rPr kumimoji="1" lang="en-US" altLang="ja-JP" dirty="0" err="1" smtClean="0"/>
+              <a:t>_units</a:t>
+            </a:r>
+            <a:r>
+              <a:rPr kumimoji="1" lang="en-US" altLang="ja-JP" dirty="0" smtClean="0"/>
+              <a:t/>
+            </a:r>
+            <a:br>
+              <a:rPr kumimoji="1" lang="en-US" altLang="ja-JP" dirty="0" smtClean="0"/>
+            </a:br>
+            <a:r>
+              <a:rPr kumimoji="1" lang="en-US" altLang="ja-JP" dirty="0" smtClean="0"/>
+              <a:t>(1024)</a:t>
+            </a:r>
+            <a:endParaRPr kumimoji="1" lang="ja-JP" altLang="en-US" dirty="0"/>
+          </a:p>
+        </p:txBody>
+      </p:sp>
+      <p:pic>
+        <p:nvPicPr>
+          <p:cNvPr id="49" name="図 48"/>
+          <p:cNvPicPr>
+            <a:picLocks noChangeAspect="1"/>
+          </p:cNvPicPr>
+          <p:nvPr/>
+        </p:nvPicPr>
+        <p:blipFill>
+          <a:blip r:embed="rId3"/>
+          <a:stretch>
+            <a:fillRect/>
+          </a:stretch>
+        </p:blipFill>
+        <p:spPr>
+          <a:xfrm>
+            <a:off x="5242399" y="5218423"/>
+            <a:ext cx="2312927" cy="1312141"/>
+          </a:xfrm>
+          <a:prstGeom prst="rect">
+            <a:avLst/>
+          </a:prstGeom>
+        </p:spPr>
+      </p:pic>
+      <p:sp>
+        <p:nvSpPr>
+          <p:cNvPr id="50" name="正方形/長方形 49"/>
+          <p:cNvSpPr/>
+          <p:nvPr/>
+        </p:nvSpPr>
+        <p:spPr>
+          <a:xfrm>
+            <a:off x="1537855" y="4724401"/>
+            <a:ext cx="2867890" cy="494022"/>
+          </a:xfrm>
+          <a:prstGeom prst="rect">
+            <a:avLst/>
+          </a:prstGeom>
+          <a:noFill/>
+          <a:ln w="28575">
+            <a:solidFill>
+              <a:srgbClr val="FF0000"/>
+            </a:solidFill>
+          </a:ln>
+        </p:spPr>
+        <p:style>
+          <a:lnRef idx="2">
+            <a:schemeClr val="accent1">
+              <a:shade val="50000"/>
+            </a:schemeClr>
+          </a:lnRef>
+          <a:fillRef idx="1">
+            <a:schemeClr val="accent1"/>
+          </a:fillRef>
+          <a:effectRef idx="0">
+            <a:schemeClr val="accent1"/>
+          </a:effectRef>
+          <a:fontRef idx="minor">
+            <a:schemeClr val="lt1"/>
+          </a:fontRef>
+        </p:style>
+        <p:txBody>
+          <a:bodyPr rtlCol="0" anchor="ctr"/>
+          <a:lstStyle/>
+          <a:p>
+            <a:pPr algn="ctr"/>
+            <a:endParaRPr kumimoji="1" lang="ja-JP" altLang="en-US"/>
+          </a:p>
+        </p:txBody>
+      </p:sp>
+    </p:spTree>
+    <p:extLst>
+      <p:ext uri="{BB962C8B-B14F-4D97-AF65-F5344CB8AC3E}">
+        <p14:creationId xmlns:p14="http://schemas.microsoft.com/office/powerpoint/2010/main" val="1944183616"/>
+      </p:ext>
+    </p:extLst>
+  </p:cSld>
+  <p:clrMapOvr>
+    <a:masterClrMapping/>
+  </p:clrMapOvr>
+  <p:timing>
+    <p:tnLst>
+      <p:par>
+        <p:cTn id="1" dur="indefinite" restart="never" nodeType="tmRoot"/>
+      </p:par>
+    </p:tnLst>
+  </p:timing>
+</p:sld>
+</file>
+
+<file path=ppt/slides/slide11.xml><?xml version="1.0" encoding="utf-8"?>
+<p:sld xmlns:a="http://schemas.openxmlformats.org/drawingml/2006/main" xmlns:r="http://schemas.openxmlformats.org/officeDocument/2006/relationships" xmlns:p="http://schemas.openxmlformats.org/presentationml/2006/main">
+  <p:cSld>
+    <p:spTree>
+      <p:nvGrpSpPr>
+        <p:cNvPr id="1" name=""/>
+        <p:cNvGrpSpPr/>
+        <p:nvPr/>
+      </p:nvGrpSpPr>
+      <p:grpSpPr>
+        <a:xfrm>
+          <a:off x="0" y="0"/>
+          <a:ext cx="0" cy="0"/>
+          <a:chOff x="0" y="0"/>
+          <a:chExt cx="0" cy="0"/>
+        </a:xfrm>
+      </p:grpSpPr>
+      <p:sp>
+        <p:nvSpPr>
+          <p:cNvPr id="2" name="タイトル 1"/>
+          <p:cNvSpPr>
+            <a:spLocks noGrp="1"/>
+          </p:cNvSpPr>
+          <p:nvPr>
+            <p:ph type="title"/>
+          </p:nvPr>
+        </p:nvSpPr>
+        <p:spPr>
+          <a:xfrm>
+            <a:off x="655692" y="350383"/>
+            <a:ext cx="7886700" cy="1325563"/>
+          </a:xfrm>
+        </p:spPr>
+        <p:txBody>
+          <a:bodyPr/>
+          <a:lstStyle/>
+          <a:p>
+            <a:endParaRPr kumimoji="1" lang="ja-JP" altLang="en-US"/>
+          </a:p>
+        </p:txBody>
+      </p:sp>
+      <p:grpSp>
+        <p:nvGrpSpPr>
+          <p:cNvPr id="30" name="図形グループ 29"/>
+          <p:cNvGrpSpPr/>
+          <p:nvPr/>
+        </p:nvGrpSpPr>
+        <p:grpSpPr>
+          <a:xfrm>
+            <a:off x="8368145" y="200647"/>
+            <a:ext cx="447796" cy="1173816"/>
+            <a:chOff x="6883883" y="230190"/>
+            <a:chExt cx="447796" cy="1173816"/>
+          </a:xfrm>
+        </p:grpSpPr>
+        <p:sp>
+          <p:nvSpPr>
+            <p:cNvPr id="31" name="円/楕円 30"/>
+            <p:cNvSpPr/>
+            <p:nvPr/>
+          </p:nvSpPr>
+          <p:spPr>
+            <a:xfrm>
+              <a:off x="6883883" y="230190"/>
+              <a:ext cx="360000" cy="360000"/>
+            </a:xfrm>
+            <a:prstGeom prst="ellipse">
+              <a:avLst/>
+            </a:prstGeom>
+          </p:spPr>
+          <p:style>
+            <a:lnRef idx="2">
+              <a:schemeClr val="accent1">
+                <a:shade val="50000"/>
+              </a:schemeClr>
+            </a:lnRef>
+            <a:fillRef idx="1">
+              <a:schemeClr val="accent1"/>
+            </a:fillRef>
+            <a:effectRef idx="0">
+              <a:schemeClr val="accent1"/>
+            </a:effectRef>
+            <a:fontRef idx="minor">
+              <a:schemeClr val="lt1"/>
+            </a:fontRef>
+          </p:style>
+          <p:txBody>
+            <a:bodyPr rtlCol="0" anchor="ctr"/>
+            <a:lstStyle/>
+            <a:p>
+              <a:pPr algn="ctr"/>
+              <a:r>
+                <a:rPr kumimoji="1" lang="en-US" altLang="ja-JP" dirty="0" smtClean="0"/>
+                <a:t>0</a:t>
+              </a:r>
+              <a:endParaRPr kumimoji="1" lang="ja-JP" altLang="en-US" dirty="0"/>
+            </a:p>
+          </p:txBody>
+        </p:sp>
+        <p:sp>
+          <p:nvSpPr>
+            <p:cNvPr id="32" name="円/楕円 31"/>
+            <p:cNvSpPr/>
+            <p:nvPr/>
+          </p:nvSpPr>
+          <p:spPr>
+            <a:xfrm>
+              <a:off x="6883883" y="1044006"/>
+              <a:ext cx="360000" cy="360000"/>
+            </a:xfrm>
+            <a:prstGeom prst="ellipse">
+              <a:avLst/>
+            </a:prstGeom>
+          </p:spPr>
+          <p:style>
+            <a:lnRef idx="2">
+              <a:schemeClr val="accent1">
+                <a:shade val="50000"/>
+              </a:schemeClr>
+            </a:lnRef>
+            <a:fillRef idx="1">
+              <a:schemeClr val="accent1"/>
+            </a:fillRef>
+            <a:effectRef idx="0">
+              <a:schemeClr val="accent1"/>
+            </a:effectRef>
+            <a:fontRef idx="minor">
+              <a:schemeClr val="lt1"/>
+            </a:fontRef>
+          </p:style>
+          <p:txBody>
+            <a:bodyPr rtlCol="0" anchor="ctr"/>
+            <a:lstStyle/>
+            <a:p>
+              <a:pPr algn="ctr"/>
+              <a:r>
+                <a:rPr kumimoji="1" lang="en-US" altLang="ja-JP" dirty="0" smtClean="0"/>
+                <a:t>1</a:t>
+              </a:r>
+              <a:endParaRPr kumimoji="1" lang="ja-JP" altLang="en-US" dirty="0"/>
+            </a:p>
+          </p:txBody>
+        </p:sp>
+        <p:sp>
+          <p:nvSpPr>
+            <p:cNvPr id="33" name="テキスト ボックス 32"/>
+            <p:cNvSpPr txBox="1"/>
+            <p:nvPr/>
+          </p:nvSpPr>
+          <p:spPr>
+            <a:xfrm rot="5400000">
+              <a:off x="6975331" y="623455"/>
+              <a:ext cx="343364" cy="369332"/>
+            </a:xfrm>
+            <a:prstGeom prst="rect">
+              <a:avLst/>
+            </a:prstGeom>
+            <a:noFill/>
+          </p:spPr>
+          <p:txBody>
+            <a:bodyPr wrap="none" rtlCol="0">
+              <a:spAutoFit/>
+            </a:bodyPr>
+            <a:lstStyle/>
+            <a:p>
+              <a:pPr algn="ctr"/>
+              <a:r>
+                <a:rPr kumimoji="1" lang="mr-IN" altLang="ja-JP" smtClean="0"/>
+                <a:t>…</a:t>
+              </a:r>
+              <a:endParaRPr kumimoji="1" lang="ja-JP" altLang="en-US" dirty="0"/>
+            </a:p>
+          </p:txBody>
+        </p:sp>
+      </p:grpSp>
+      <p:sp>
+        <p:nvSpPr>
+          <p:cNvPr id="34" name="左右矢印 33"/>
+          <p:cNvSpPr/>
+          <p:nvPr/>
+        </p:nvSpPr>
+        <p:spPr>
+          <a:xfrm>
+            <a:off x="6943557" y="365877"/>
+            <a:ext cx="1424588" cy="1011307"/>
+          </a:xfrm>
+          <a:prstGeom prst="leftRightArrow">
+            <a:avLst/>
+          </a:prstGeom>
+        </p:spPr>
+        <p:style>
+          <a:lnRef idx="2">
+            <a:schemeClr val="accent1">
+              <a:shade val="50000"/>
+            </a:schemeClr>
+          </a:lnRef>
+          <a:fillRef idx="1">
+            <a:schemeClr val="accent1"/>
+          </a:fillRef>
+          <a:effectRef idx="0">
+            <a:schemeClr val="accent1"/>
+          </a:effectRef>
+          <a:fontRef idx="minor">
+            <a:schemeClr val="lt1"/>
+          </a:fontRef>
+        </p:style>
+        <p:txBody>
+          <a:bodyPr rtlCol="0" anchor="ctr"/>
+          <a:lstStyle/>
+          <a:p>
+            <a:pPr algn="ctr"/>
+            <a:r>
+              <a:rPr lang="en-US" altLang="ja-JP" sz="2000" dirty="0" err="1" smtClean="0"/>
+              <a:t>classi</a:t>
+            </a:r>
+            <a:r>
+              <a:rPr lang="en-US" altLang="ja-JP" sz="2000" dirty="0" smtClean="0"/>
+              <a:t>-</a:t>
+            </a:r>
+            <a:br>
+              <a:rPr lang="en-US" altLang="ja-JP" sz="2000" dirty="0" smtClean="0"/>
+            </a:br>
+            <a:r>
+              <a:rPr lang="en-US" altLang="ja-JP" sz="2000" dirty="0" err="1" smtClean="0"/>
+              <a:t>fier</a:t>
+            </a:r>
+            <a:endParaRPr kumimoji="1" lang="ja-JP" altLang="en-US" sz="2000" dirty="0"/>
+          </a:p>
+        </p:txBody>
+      </p:sp>
+      <p:sp>
+        <p:nvSpPr>
+          <p:cNvPr id="35" name="テキスト ボックス 34"/>
+          <p:cNvSpPr txBox="1"/>
+          <p:nvPr/>
+        </p:nvSpPr>
+        <p:spPr>
+          <a:xfrm>
+            <a:off x="7805172" y="1451822"/>
+            <a:ext cx="1338828" cy="1477328"/>
+          </a:xfrm>
+          <a:prstGeom prst="rect">
+            <a:avLst/>
+          </a:prstGeom>
+          <a:noFill/>
+        </p:spPr>
+        <p:txBody>
+          <a:bodyPr wrap="none" rtlCol="0">
+            <a:spAutoFit/>
+          </a:bodyPr>
+          <a:lstStyle/>
+          <a:p>
+            <a:pPr algn="ctr"/>
+            <a:r>
+              <a:rPr kumimoji="1" lang="ja-JP" altLang="en-US" dirty="0" smtClean="0"/>
+              <a:t>正解ラベル</a:t>
+            </a:r>
+            <a:r>
+              <a:rPr kumimoji="1" lang="en-US" altLang="ja-JP" dirty="0" smtClean="0"/>
+              <a:t/>
+            </a:r>
+            <a:br>
+              <a:rPr kumimoji="1" lang="en-US" altLang="ja-JP" dirty="0" smtClean="0"/>
+            </a:br>
+            <a:r>
+              <a:rPr kumimoji="1" lang="en-US" altLang="ja-JP" dirty="0" smtClean="0"/>
+              <a:t>(</a:t>
+            </a:r>
+            <a:r>
+              <a:rPr kumimoji="1" lang="ja-JP" altLang="en-US" dirty="0" smtClean="0"/>
+              <a:t>クラスに</a:t>
+            </a:r>
+            <a:r>
+              <a:rPr kumimoji="1" lang="en-US" altLang="ja-JP" dirty="0" smtClean="0"/>
+              <a:t/>
+            </a:r>
+            <a:br>
+              <a:rPr kumimoji="1" lang="en-US" altLang="ja-JP" dirty="0" smtClean="0"/>
+            </a:br>
+            <a:r>
+              <a:rPr kumimoji="1" lang="ja-JP" altLang="en-US" dirty="0" smtClean="0"/>
+              <a:t>対応する</a:t>
+            </a:r>
+            <a:r>
+              <a:rPr kumimoji="1" lang="en-US" altLang="ja-JP" dirty="0" smtClean="0"/>
+              <a:t/>
+            </a:r>
+            <a:br>
+              <a:rPr kumimoji="1" lang="en-US" altLang="ja-JP" dirty="0" smtClean="0"/>
+            </a:br>
+            <a:r>
+              <a:rPr lang="ja-JP" altLang="en-US" dirty="0" smtClean="0"/>
+              <a:t>ノードのみ</a:t>
+            </a:r>
+            <a:r>
+              <a:rPr lang="en-US" altLang="ja-JP" dirty="0" smtClean="0"/>
+              <a:t/>
+            </a:r>
+            <a:br>
+              <a:rPr lang="en-US" altLang="ja-JP" dirty="0" smtClean="0"/>
+            </a:br>
+            <a:r>
+              <a:rPr lang="en-US" altLang="ja-JP" dirty="0" smtClean="0"/>
+              <a:t>1</a:t>
+            </a:r>
+            <a:r>
+              <a:rPr lang="ja-JP" altLang="en-US" dirty="0" smtClean="0"/>
+              <a:t>となる</a:t>
+            </a:r>
+            <a:r>
+              <a:rPr lang="en-US" altLang="ja-JP" dirty="0" smtClean="0"/>
+              <a:t>)</a:t>
+            </a:r>
+            <a:endParaRPr kumimoji="1" lang="ja-JP" altLang="en-US" dirty="0"/>
+          </a:p>
+        </p:txBody>
+      </p:sp>
+      <p:pic>
+        <p:nvPicPr>
+          <p:cNvPr id="37" name="図 36"/>
+          <p:cNvPicPr>
+            <a:picLocks noChangeAspect="1"/>
+          </p:cNvPicPr>
+          <p:nvPr/>
+        </p:nvPicPr>
+        <p:blipFill>
+          <a:blip r:embed="rId2"/>
+          <a:stretch>
+            <a:fillRect/>
+          </a:stretch>
+        </p:blipFill>
+        <p:spPr>
+          <a:xfrm>
+            <a:off x="-11868" y="0"/>
+            <a:ext cx="5887192" cy="6858000"/>
+          </a:xfrm>
+          <a:prstGeom prst="rect">
+            <a:avLst/>
+          </a:prstGeom>
+        </p:spPr>
+      </p:pic>
+      <p:grpSp>
+        <p:nvGrpSpPr>
+          <p:cNvPr id="39" name="図形グループ 38"/>
+          <p:cNvGrpSpPr/>
+          <p:nvPr/>
+        </p:nvGrpSpPr>
+        <p:grpSpPr>
+          <a:xfrm>
+            <a:off x="5152040" y="200647"/>
+            <a:ext cx="447796" cy="1173816"/>
+            <a:chOff x="6883883" y="230190"/>
+            <a:chExt cx="447796" cy="1173816"/>
+          </a:xfrm>
+        </p:grpSpPr>
+        <p:sp>
+          <p:nvSpPr>
+            <p:cNvPr id="40" name="円/楕円 39"/>
+            <p:cNvSpPr/>
+            <p:nvPr/>
+          </p:nvSpPr>
+          <p:spPr>
+            <a:xfrm>
+              <a:off x="6883883" y="230190"/>
+              <a:ext cx="360000" cy="360000"/>
+            </a:xfrm>
+            <a:prstGeom prst="ellipse">
+              <a:avLst/>
+            </a:prstGeom>
+          </p:spPr>
+          <p:style>
+            <a:lnRef idx="2">
+              <a:schemeClr val="accent1">
+                <a:shade val="50000"/>
+              </a:schemeClr>
+            </a:lnRef>
+            <a:fillRef idx="1">
+              <a:schemeClr val="accent1"/>
+            </a:fillRef>
+            <a:effectRef idx="0">
+              <a:schemeClr val="accent1"/>
+            </a:effectRef>
+            <a:fontRef idx="minor">
+              <a:schemeClr val="lt1"/>
+            </a:fontRef>
+          </p:style>
+          <p:txBody>
+            <a:bodyPr rtlCol="0" anchor="ctr"/>
+            <a:lstStyle/>
+            <a:p>
+              <a:pPr algn="ctr"/>
+              <a:endParaRPr kumimoji="1" lang="ja-JP" altLang="en-US"/>
+            </a:p>
+          </p:txBody>
+        </p:sp>
+        <p:sp>
+          <p:nvSpPr>
+            <p:cNvPr id="41" name="円/楕円 40"/>
+            <p:cNvSpPr/>
+            <p:nvPr/>
+          </p:nvSpPr>
+          <p:spPr>
+            <a:xfrm>
+              <a:off x="6883883" y="1044006"/>
+              <a:ext cx="360000" cy="360000"/>
+            </a:xfrm>
+            <a:prstGeom prst="ellipse">
+              <a:avLst/>
+            </a:prstGeom>
+          </p:spPr>
+          <p:style>
+            <a:lnRef idx="2">
+              <a:schemeClr val="accent1">
+                <a:shade val="50000"/>
+              </a:schemeClr>
+            </a:lnRef>
+            <a:fillRef idx="1">
+              <a:schemeClr val="accent1"/>
+            </a:fillRef>
+            <a:effectRef idx="0">
+              <a:schemeClr val="accent1"/>
+            </a:effectRef>
+            <a:fontRef idx="minor">
+              <a:schemeClr val="lt1"/>
+            </a:fontRef>
+          </p:style>
+          <p:txBody>
+            <a:bodyPr rtlCol="0" anchor="ctr"/>
+            <a:lstStyle/>
+            <a:p>
+              <a:pPr algn="ctr"/>
+              <a:endParaRPr kumimoji="1" lang="ja-JP" altLang="en-US"/>
+            </a:p>
+          </p:txBody>
+        </p:sp>
+        <p:sp>
+          <p:nvSpPr>
+            <p:cNvPr id="42" name="テキスト ボックス 41"/>
+            <p:cNvSpPr txBox="1"/>
+            <p:nvPr/>
+          </p:nvSpPr>
+          <p:spPr>
+            <a:xfrm rot="5400000">
+              <a:off x="6975331" y="623455"/>
+              <a:ext cx="343364" cy="369332"/>
+            </a:xfrm>
+            <a:prstGeom prst="rect">
+              <a:avLst/>
+            </a:prstGeom>
+            <a:noFill/>
+          </p:spPr>
+          <p:txBody>
+            <a:bodyPr wrap="none" rtlCol="0">
+              <a:spAutoFit/>
+            </a:bodyPr>
+            <a:lstStyle/>
+            <a:p>
+              <a:pPr algn="ctr"/>
+              <a:r>
+                <a:rPr kumimoji="1" lang="mr-IN" altLang="ja-JP" smtClean="0"/>
+                <a:t>…</a:t>
+              </a:r>
+              <a:endParaRPr kumimoji="1" lang="ja-JP" altLang="en-US" dirty="0"/>
+            </a:p>
+          </p:txBody>
+        </p:sp>
+      </p:grpSp>
+      <p:grpSp>
+        <p:nvGrpSpPr>
+          <p:cNvPr id="43" name="図形グループ 42"/>
+          <p:cNvGrpSpPr/>
+          <p:nvPr/>
+        </p:nvGrpSpPr>
+        <p:grpSpPr>
+          <a:xfrm>
+            <a:off x="6717605" y="200647"/>
+            <a:ext cx="447796" cy="1173816"/>
+            <a:chOff x="6883883" y="230190"/>
+            <a:chExt cx="447796" cy="1173816"/>
+          </a:xfrm>
+        </p:grpSpPr>
+        <p:sp>
+          <p:nvSpPr>
+            <p:cNvPr id="44" name="円/楕円 43"/>
+            <p:cNvSpPr/>
+            <p:nvPr/>
+          </p:nvSpPr>
+          <p:spPr>
+            <a:xfrm>
+              <a:off x="6883883" y="230190"/>
+              <a:ext cx="360000" cy="360000"/>
+            </a:xfrm>
+            <a:prstGeom prst="ellipse">
+              <a:avLst/>
+            </a:prstGeom>
+          </p:spPr>
+          <p:style>
+            <a:lnRef idx="2">
+              <a:schemeClr val="accent1">
+                <a:shade val="50000"/>
+              </a:schemeClr>
+            </a:lnRef>
+            <a:fillRef idx="1">
+              <a:schemeClr val="accent1"/>
+            </a:fillRef>
+            <a:effectRef idx="0">
+              <a:schemeClr val="accent1"/>
+            </a:effectRef>
+            <a:fontRef idx="minor">
+              <a:schemeClr val="lt1"/>
+            </a:fontRef>
+          </p:style>
+          <p:txBody>
+            <a:bodyPr rtlCol="0" anchor="ctr"/>
+            <a:lstStyle/>
+            <a:p>
+              <a:pPr algn="ctr"/>
+              <a:endParaRPr kumimoji="1" lang="ja-JP" altLang="en-US"/>
+            </a:p>
+          </p:txBody>
+        </p:sp>
+        <p:sp>
+          <p:nvSpPr>
+            <p:cNvPr id="45" name="円/楕円 44"/>
+            <p:cNvSpPr/>
+            <p:nvPr/>
+          </p:nvSpPr>
+          <p:spPr>
+            <a:xfrm>
+              <a:off x="6883883" y="1044006"/>
+              <a:ext cx="360000" cy="360000"/>
+            </a:xfrm>
+            <a:prstGeom prst="ellipse">
+              <a:avLst/>
+            </a:prstGeom>
+          </p:spPr>
+          <p:style>
+            <a:lnRef idx="2">
+              <a:schemeClr val="accent1">
+                <a:shade val="50000"/>
+              </a:schemeClr>
+            </a:lnRef>
+            <a:fillRef idx="1">
+              <a:schemeClr val="accent1"/>
+            </a:fillRef>
+            <a:effectRef idx="0">
+              <a:schemeClr val="accent1"/>
+            </a:effectRef>
+            <a:fontRef idx="minor">
+              <a:schemeClr val="lt1"/>
+            </a:fontRef>
+          </p:style>
+          <p:txBody>
+            <a:bodyPr rtlCol="0" anchor="ctr"/>
+            <a:lstStyle/>
+            <a:p>
+              <a:pPr algn="ctr"/>
+              <a:endParaRPr kumimoji="1" lang="ja-JP" altLang="en-US"/>
+            </a:p>
+          </p:txBody>
+        </p:sp>
+        <p:sp>
+          <p:nvSpPr>
+            <p:cNvPr id="46" name="テキスト ボックス 45"/>
+            <p:cNvSpPr txBox="1"/>
+            <p:nvPr/>
+          </p:nvSpPr>
+          <p:spPr>
+            <a:xfrm rot="5400000">
+              <a:off x="6975331" y="623455"/>
+              <a:ext cx="343364" cy="369332"/>
+            </a:xfrm>
+            <a:prstGeom prst="rect">
+              <a:avLst/>
+            </a:prstGeom>
+            <a:noFill/>
+          </p:spPr>
+          <p:txBody>
+            <a:bodyPr wrap="none" rtlCol="0">
+              <a:spAutoFit/>
+            </a:bodyPr>
+            <a:lstStyle/>
+            <a:p>
+              <a:pPr algn="ctr"/>
+              <a:r>
+                <a:rPr kumimoji="1" lang="mr-IN" altLang="ja-JP" smtClean="0"/>
+                <a:t>…</a:t>
+              </a:r>
+              <a:endParaRPr kumimoji="1" lang="ja-JP" altLang="en-US" dirty="0"/>
+            </a:p>
+          </p:txBody>
+        </p:sp>
+      </p:grpSp>
+      <p:grpSp>
+        <p:nvGrpSpPr>
+          <p:cNvPr id="47" name="図形グループ 46"/>
+          <p:cNvGrpSpPr/>
+          <p:nvPr/>
+        </p:nvGrpSpPr>
+        <p:grpSpPr>
+          <a:xfrm>
+            <a:off x="5986011" y="200647"/>
+            <a:ext cx="447796" cy="1173816"/>
+            <a:chOff x="6883883" y="230190"/>
+            <a:chExt cx="447796" cy="1173816"/>
+          </a:xfrm>
+        </p:grpSpPr>
+        <p:sp>
+          <p:nvSpPr>
+            <p:cNvPr id="48" name="円/楕円 47"/>
+            <p:cNvSpPr/>
+            <p:nvPr/>
+          </p:nvSpPr>
+          <p:spPr>
+            <a:xfrm>
+              <a:off x="6883883" y="230190"/>
+              <a:ext cx="360000" cy="360000"/>
+            </a:xfrm>
+            <a:prstGeom prst="ellipse">
+              <a:avLst/>
+            </a:prstGeom>
+          </p:spPr>
+          <p:style>
+            <a:lnRef idx="2">
+              <a:schemeClr val="accent1">
+                <a:shade val="50000"/>
+              </a:schemeClr>
+            </a:lnRef>
+            <a:fillRef idx="1">
+              <a:schemeClr val="accent1"/>
+            </a:fillRef>
+            <a:effectRef idx="0">
+              <a:schemeClr val="accent1"/>
+            </a:effectRef>
+            <a:fontRef idx="minor">
+              <a:schemeClr val="lt1"/>
+            </a:fontRef>
+          </p:style>
+          <p:txBody>
+            <a:bodyPr rtlCol="0" anchor="ctr"/>
+            <a:lstStyle/>
+            <a:p>
+              <a:pPr algn="ctr"/>
+              <a:endParaRPr kumimoji="1" lang="ja-JP" altLang="en-US"/>
+            </a:p>
+          </p:txBody>
+        </p:sp>
+        <p:sp>
+          <p:nvSpPr>
+            <p:cNvPr id="49" name="円/楕円 48"/>
+            <p:cNvSpPr/>
+            <p:nvPr/>
+          </p:nvSpPr>
+          <p:spPr>
+            <a:xfrm>
+              <a:off x="6883883" y="1044006"/>
+              <a:ext cx="360000" cy="360000"/>
+            </a:xfrm>
+            <a:prstGeom prst="ellipse">
+              <a:avLst/>
+            </a:prstGeom>
+          </p:spPr>
+          <p:style>
+            <a:lnRef idx="2">
+              <a:schemeClr val="accent1">
+                <a:shade val="50000"/>
+              </a:schemeClr>
+            </a:lnRef>
+            <a:fillRef idx="1">
+              <a:schemeClr val="accent1"/>
+            </a:fillRef>
+            <a:effectRef idx="0">
+              <a:schemeClr val="accent1"/>
+            </a:effectRef>
+            <a:fontRef idx="minor">
+              <a:schemeClr val="lt1"/>
+            </a:fontRef>
+          </p:style>
+          <p:txBody>
+            <a:bodyPr rtlCol="0" anchor="ctr"/>
+            <a:lstStyle/>
+            <a:p>
+              <a:pPr algn="ctr"/>
+              <a:endParaRPr kumimoji="1" lang="ja-JP" altLang="en-US"/>
+            </a:p>
+          </p:txBody>
+        </p:sp>
+        <p:sp>
+          <p:nvSpPr>
+            <p:cNvPr id="50" name="テキスト ボックス 49"/>
+            <p:cNvSpPr txBox="1"/>
+            <p:nvPr/>
+          </p:nvSpPr>
+          <p:spPr>
+            <a:xfrm rot="5400000">
+              <a:off x="6975331" y="623455"/>
+              <a:ext cx="343364" cy="369332"/>
+            </a:xfrm>
+            <a:prstGeom prst="rect">
+              <a:avLst/>
+            </a:prstGeom>
+            <a:noFill/>
+          </p:spPr>
+          <p:txBody>
+            <a:bodyPr wrap="none" rtlCol="0">
+              <a:spAutoFit/>
+            </a:bodyPr>
+            <a:lstStyle/>
+            <a:p>
+              <a:pPr algn="ctr"/>
+              <a:r>
+                <a:rPr kumimoji="1" lang="mr-IN" altLang="ja-JP" smtClean="0"/>
+                <a:t>…</a:t>
+              </a:r>
+              <a:endParaRPr kumimoji="1" lang="ja-JP" altLang="en-US" dirty="0"/>
+            </a:p>
+          </p:txBody>
+        </p:sp>
+      </p:grpSp>
+      <p:cxnSp>
+        <p:nvCxnSpPr>
+          <p:cNvPr id="51" name="直線矢印コネクタ 50"/>
+          <p:cNvCxnSpPr>
+            <a:stCxn id="42" idx="6"/>
+            <a:endCxn id="53" idx="2"/>
+          </p:cNvCxnSpPr>
+          <p:nvPr/>
+        </p:nvCxnSpPr>
+        <p:spPr>
+          <a:xfrm>
+            <a:off x="5512040" y="380647"/>
+            <a:ext cx="473971" cy="813816"/>
+          </a:xfrm>
+          <a:prstGeom prst="straightConnector1">
+            <a:avLst/>
+          </a:prstGeom>
+          <a:ln>
+            <a:tailEnd type="triangle"/>
+          </a:ln>
+        </p:spPr>
+        <p:style>
+          <a:lnRef idx="1">
+            <a:schemeClr val="accent1"/>
+          </a:lnRef>
+          <a:fillRef idx="0">
+            <a:schemeClr val="accent1"/>
+          </a:fillRef>
+          <a:effectRef idx="0">
+            <a:schemeClr val="accent1"/>
+          </a:effectRef>
+          <a:fontRef idx="minor">
+            <a:schemeClr val="tx1"/>
+          </a:fontRef>
+        </p:style>
+      </p:cxnSp>
+      <p:cxnSp>
+        <p:nvCxnSpPr>
+          <p:cNvPr id="52" name="直線矢印コネクタ 51"/>
+          <p:cNvCxnSpPr>
+            <a:stCxn id="44" idx="6"/>
+            <a:endCxn id="52" idx="2"/>
+          </p:cNvCxnSpPr>
+          <p:nvPr/>
+        </p:nvCxnSpPr>
+        <p:spPr>
+          <a:xfrm flipV="1">
+            <a:off x="5512040" y="380647"/>
+            <a:ext cx="473971" cy="813816"/>
+          </a:xfrm>
+          <a:prstGeom prst="straightConnector1">
+            <a:avLst/>
+          </a:prstGeom>
+          <a:ln>
+            <a:tailEnd type="triangle"/>
+          </a:ln>
+        </p:spPr>
+        <p:style>
+          <a:lnRef idx="1">
+            <a:schemeClr val="accent1"/>
+          </a:lnRef>
+          <a:fillRef idx="0">
+            <a:schemeClr val="accent1"/>
+          </a:fillRef>
+          <a:effectRef idx="0">
+            <a:schemeClr val="accent1"/>
+          </a:effectRef>
+          <a:fontRef idx="minor">
+            <a:schemeClr val="tx1"/>
+          </a:fontRef>
+        </p:style>
+      </p:cxnSp>
+      <p:cxnSp>
+        <p:nvCxnSpPr>
+          <p:cNvPr id="53" name="直線矢印コネクタ 52"/>
+          <p:cNvCxnSpPr>
+            <a:stCxn id="42" idx="6"/>
+            <a:endCxn id="52" idx="2"/>
+          </p:cNvCxnSpPr>
+          <p:nvPr/>
+        </p:nvCxnSpPr>
+        <p:spPr>
+          <a:xfrm>
+            <a:off x="5512040" y="380647"/>
+            <a:ext cx="473971" cy="0"/>
+          </a:xfrm>
+          <a:prstGeom prst="straightConnector1">
+            <a:avLst/>
+          </a:prstGeom>
+          <a:ln>
+            <a:tailEnd type="triangle"/>
+          </a:ln>
+        </p:spPr>
+        <p:style>
+          <a:lnRef idx="1">
+            <a:schemeClr val="accent1"/>
+          </a:lnRef>
+          <a:fillRef idx="0">
+            <a:schemeClr val="accent1"/>
+          </a:fillRef>
+          <a:effectRef idx="0">
+            <a:schemeClr val="accent1"/>
+          </a:effectRef>
+          <a:fontRef idx="minor">
+            <a:schemeClr val="tx1"/>
+          </a:fontRef>
+        </p:style>
+      </p:cxnSp>
+      <p:cxnSp>
+        <p:nvCxnSpPr>
+          <p:cNvPr id="54" name="直線矢印コネクタ 53"/>
+          <p:cNvCxnSpPr>
+            <a:stCxn id="44" idx="6"/>
+            <a:endCxn id="53" idx="2"/>
+          </p:cNvCxnSpPr>
+          <p:nvPr/>
+        </p:nvCxnSpPr>
+        <p:spPr>
+          <a:xfrm>
+            <a:off x="5512040" y="1194463"/>
+            <a:ext cx="473971" cy="0"/>
+          </a:xfrm>
+          <a:prstGeom prst="straightConnector1">
+            <a:avLst/>
+          </a:prstGeom>
+          <a:ln>
+            <a:tailEnd type="triangle"/>
+          </a:ln>
+        </p:spPr>
+        <p:style>
+          <a:lnRef idx="1">
+            <a:schemeClr val="accent1"/>
+          </a:lnRef>
+          <a:fillRef idx="0">
+            <a:schemeClr val="accent1"/>
+          </a:fillRef>
+          <a:effectRef idx="0">
+            <a:schemeClr val="accent1"/>
+          </a:effectRef>
+          <a:fontRef idx="minor">
+            <a:schemeClr val="tx1"/>
+          </a:fontRef>
+        </p:style>
+      </p:cxnSp>
+      <p:cxnSp>
+        <p:nvCxnSpPr>
+          <p:cNvPr id="55" name="直線矢印コネクタ 54"/>
+          <p:cNvCxnSpPr/>
+          <p:nvPr/>
+        </p:nvCxnSpPr>
+        <p:spPr>
+          <a:xfrm>
+            <a:off x="6372849" y="365153"/>
+            <a:ext cx="335424" cy="813816"/>
+          </a:xfrm>
+          <a:prstGeom prst="straightConnector1">
+            <a:avLst/>
+          </a:prstGeom>
+          <a:ln>
+            <a:tailEnd type="triangle"/>
+          </a:ln>
+        </p:spPr>
+        <p:style>
+          <a:lnRef idx="1">
+            <a:schemeClr val="accent1"/>
+          </a:lnRef>
+          <a:fillRef idx="0">
+            <a:schemeClr val="accent1"/>
+          </a:fillRef>
+          <a:effectRef idx="0">
+            <a:schemeClr val="accent1"/>
+          </a:effectRef>
+          <a:fontRef idx="minor">
+            <a:schemeClr val="tx1"/>
+          </a:fontRef>
+        </p:style>
+      </p:cxnSp>
+      <p:cxnSp>
+        <p:nvCxnSpPr>
+          <p:cNvPr id="56" name="直線矢印コネクタ 55"/>
+          <p:cNvCxnSpPr/>
+          <p:nvPr/>
+        </p:nvCxnSpPr>
+        <p:spPr>
+          <a:xfrm flipV="1">
+            <a:off x="6372849" y="365153"/>
+            <a:ext cx="335424" cy="813816"/>
+          </a:xfrm>
+          <a:prstGeom prst="straightConnector1">
+            <a:avLst/>
+          </a:prstGeom>
+          <a:ln>
+            <a:tailEnd type="triangle"/>
+          </a:ln>
+        </p:spPr>
+        <p:style>
+          <a:lnRef idx="1">
+            <a:schemeClr val="accent1"/>
+          </a:lnRef>
+          <a:fillRef idx="0">
+            <a:schemeClr val="accent1"/>
+          </a:fillRef>
+          <a:effectRef idx="0">
+            <a:schemeClr val="accent1"/>
+          </a:effectRef>
+          <a:fontRef idx="minor">
+            <a:schemeClr val="tx1"/>
+          </a:fontRef>
+        </p:style>
+      </p:cxnSp>
+      <p:cxnSp>
+        <p:nvCxnSpPr>
+          <p:cNvPr id="57" name="直線矢印コネクタ 56"/>
+          <p:cNvCxnSpPr/>
+          <p:nvPr/>
+        </p:nvCxnSpPr>
+        <p:spPr>
+          <a:xfrm>
+            <a:off x="6372849" y="365153"/>
+            <a:ext cx="335424" cy="0"/>
+          </a:xfrm>
+          <a:prstGeom prst="straightConnector1">
+            <a:avLst/>
+          </a:prstGeom>
+          <a:ln>
+            <a:tailEnd type="triangle"/>
+          </a:ln>
+        </p:spPr>
+        <p:style>
+          <a:lnRef idx="1">
+            <a:schemeClr val="accent1"/>
+          </a:lnRef>
+          <a:fillRef idx="0">
+            <a:schemeClr val="accent1"/>
+          </a:fillRef>
+          <a:effectRef idx="0">
+            <a:schemeClr val="accent1"/>
+          </a:effectRef>
+          <a:fontRef idx="minor">
+            <a:schemeClr val="tx1"/>
+          </a:fontRef>
+        </p:style>
+      </p:cxnSp>
+      <p:cxnSp>
+        <p:nvCxnSpPr>
+          <p:cNvPr id="58" name="直線矢印コネクタ 57"/>
+          <p:cNvCxnSpPr/>
+          <p:nvPr/>
+        </p:nvCxnSpPr>
+        <p:spPr>
+          <a:xfrm>
+            <a:off x="6372849" y="1178969"/>
+            <a:ext cx="335424" cy="0"/>
+          </a:xfrm>
+          <a:prstGeom prst="straightConnector1">
+            <a:avLst/>
+          </a:prstGeom>
+          <a:ln>
+            <a:tailEnd type="triangle"/>
+          </a:ln>
+        </p:spPr>
+        <p:style>
+          <a:lnRef idx="1">
+            <a:schemeClr val="accent1"/>
+          </a:lnRef>
+          <a:fillRef idx="0">
+            <a:schemeClr val="accent1"/>
+          </a:fillRef>
+          <a:effectRef idx="0">
+            <a:schemeClr val="accent1"/>
+          </a:effectRef>
+          <a:fontRef idx="minor">
+            <a:schemeClr val="tx1"/>
+          </a:fontRef>
+        </p:style>
+      </p:cxnSp>
+      <p:cxnSp>
+        <p:nvCxnSpPr>
+          <p:cNvPr id="59" name="直線矢印コネクタ 58"/>
+          <p:cNvCxnSpPr/>
+          <p:nvPr/>
+        </p:nvCxnSpPr>
+        <p:spPr>
+          <a:xfrm>
+            <a:off x="4497505" y="200647"/>
+            <a:ext cx="0" cy="1173816"/>
+          </a:xfrm>
+          <a:prstGeom prst="straightConnector1">
+            <a:avLst/>
+          </a:prstGeom>
+          <a:ln>
+            <a:headEnd type="triangle"/>
+            <a:tailEnd type="triangle"/>
+          </a:ln>
+        </p:spPr>
+        <p:style>
+          <a:lnRef idx="1">
+            <a:schemeClr val="accent1"/>
+          </a:lnRef>
+          <a:fillRef idx="0">
+            <a:schemeClr val="accent1"/>
+          </a:fillRef>
+          <a:effectRef idx="0">
+            <a:schemeClr val="accent1"/>
+          </a:effectRef>
+          <a:fontRef idx="minor">
+            <a:schemeClr val="tx1"/>
+          </a:fontRef>
+        </p:style>
+      </p:cxnSp>
+      <p:sp>
+        <p:nvSpPr>
+          <p:cNvPr id="60" name="テキスト ボックス 59"/>
+          <p:cNvSpPr txBox="1"/>
+          <p:nvPr/>
+        </p:nvSpPr>
+        <p:spPr>
+          <a:xfrm>
+            <a:off x="3262712" y="330028"/>
+            <a:ext cx="1024639" cy="923330"/>
+          </a:xfrm>
+          <a:prstGeom prst="rect">
+            <a:avLst/>
+          </a:prstGeom>
+          <a:noFill/>
+        </p:spPr>
+        <p:txBody>
+          <a:bodyPr wrap="none" rtlCol="0">
+            <a:spAutoFit/>
+          </a:bodyPr>
+          <a:lstStyle/>
+          <a:p>
+            <a:pPr algn="ctr"/>
+            <a:r>
+              <a:rPr lang="en-US" altLang="ja-JP" dirty="0" smtClean="0"/>
+              <a:t>input</a:t>
+            </a:r>
+          </a:p>
+          <a:p>
+            <a:pPr algn="ctr"/>
+            <a:r>
+              <a:rPr lang="en-US" altLang="ja-JP" dirty="0" smtClean="0"/>
+              <a:t>(756)</a:t>
+            </a:r>
+            <a:br>
+              <a:rPr lang="en-US" altLang="ja-JP" dirty="0" smtClean="0"/>
+            </a:br>
+            <a:r>
+              <a:rPr lang="en-US" altLang="ja-JP" dirty="0" smtClean="0"/>
+              <a:t>(=28*28)</a:t>
+            </a:r>
+            <a:endParaRPr kumimoji="1" lang="ja-JP" altLang="en-US" dirty="0"/>
+          </a:p>
+        </p:txBody>
+      </p:sp>
+      <p:grpSp>
+        <p:nvGrpSpPr>
+          <p:cNvPr id="61" name="図形グループ 60"/>
+          <p:cNvGrpSpPr/>
+          <p:nvPr/>
+        </p:nvGrpSpPr>
+        <p:grpSpPr>
+          <a:xfrm>
+            <a:off x="4290588" y="206574"/>
+            <a:ext cx="447796" cy="1173816"/>
+            <a:chOff x="6883883" y="230190"/>
+            <a:chExt cx="447796" cy="1173816"/>
+          </a:xfrm>
+        </p:grpSpPr>
+        <p:sp>
+          <p:nvSpPr>
+            <p:cNvPr id="62" name="円/楕円 61"/>
+            <p:cNvSpPr/>
+            <p:nvPr/>
+          </p:nvSpPr>
+          <p:spPr>
+            <a:xfrm>
+              <a:off x="6883883" y="230190"/>
+              <a:ext cx="360000" cy="360000"/>
+            </a:xfrm>
+            <a:prstGeom prst="ellipse">
+              <a:avLst/>
+            </a:prstGeom>
+          </p:spPr>
+          <p:style>
+            <a:lnRef idx="2">
+              <a:schemeClr val="accent1">
+                <a:shade val="50000"/>
+              </a:schemeClr>
+            </a:lnRef>
+            <a:fillRef idx="1">
+              <a:schemeClr val="accent1"/>
+            </a:fillRef>
+            <a:effectRef idx="0">
+              <a:schemeClr val="accent1"/>
+            </a:effectRef>
+            <a:fontRef idx="minor">
+              <a:schemeClr val="lt1"/>
+            </a:fontRef>
+          </p:style>
+          <p:txBody>
+            <a:bodyPr rtlCol="0" anchor="ctr"/>
+            <a:lstStyle/>
+            <a:p>
+              <a:pPr algn="ctr"/>
+              <a:endParaRPr kumimoji="1" lang="ja-JP" altLang="en-US"/>
+            </a:p>
+          </p:txBody>
+        </p:sp>
+        <p:sp>
+          <p:nvSpPr>
+            <p:cNvPr id="63" name="円/楕円 62"/>
+            <p:cNvSpPr/>
+            <p:nvPr/>
+          </p:nvSpPr>
+          <p:spPr>
+            <a:xfrm>
+              <a:off x="6883883" y="1044006"/>
+              <a:ext cx="360000" cy="360000"/>
+            </a:xfrm>
+            <a:prstGeom prst="ellipse">
+              <a:avLst/>
+            </a:prstGeom>
+          </p:spPr>
+          <p:style>
+            <a:lnRef idx="2">
+              <a:schemeClr val="accent1">
+                <a:shade val="50000"/>
+              </a:schemeClr>
+            </a:lnRef>
+            <a:fillRef idx="1">
+              <a:schemeClr val="accent1"/>
+            </a:fillRef>
+            <a:effectRef idx="0">
+              <a:schemeClr val="accent1"/>
+            </a:effectRef>
+            <a:fontRef idx="minor">
+              <a:schemeClr val="lt1"/>
+            </a:fontRef>
+          </p:style>
+          <p:txBody>
+            <a:bodyPr rtlCol="0" anchor="ctr"/>
+            <a:lstStyle/>
+            <a:p>
+              <a:pPr algn="ctr"/>
+              <a:endParaRPr kumimoji="1" lang="ja-JP" altLang="en-US"/>
+            </a:p>
+          </p:txBody>
+        </p:sp>
+        <p:sp>
+          <p:nvSpPr>
+            <p:cNvPr id="64" name="テキスト ボックス 63"/>
+            <p:cNvSpPr txBox="1"/>
+            <p:nvPr/>
+          </p:nvSpPr>
+          <p:spPr>
+            <a:xfrm rot="5400000">
+              <a:off x="6975331" y="623455"/>
+              <a:ext cx="343364" cy="369332"/>
+            </a:xfrm>
+            <a:prstGeom prst="rect">
+              <a:avLst/>
+            </a:prstGeom>
+            <a:noFill/>
+          </p:spPr>
+          <p:txBody>
+            <a:bodyPr wrap="none" rtlCol="0">
+              <a:spAutoFit/>
+            </a:bodyPr>
+            <a:lstStyle/>
+            <a:p>
+              <a:pPr algn="ctr"/>
+              <a:r>
+                <a:rPr kumimoji="1" lang="mr-IN" altLang="ja-JP" smtClean="0"/>
+                <a:t>…</a:t>
+              </a:r>
+              <a:endParaRPr kumimoji="1" lang="ja-JP" altLang="en-US" dirty="0"/>
+            </a:p>
+          </p:txBody>
+        </p:sp>
+      </p:grpSp>
+      <p:cxnSp>
+        <p:nvCxnSpPr>
+          <p:cNvPr id="65" name="直線矢印コネクタ 64"/>
+          <p:cNvCxnSpPr/>
+          <p:nvPr/>
+        </p:nvCxnSpPr>
+        <p:spPr>
+          <a:xfrm>
+            <a:off x="4650588" y="386574"/>
+            <a:ext cx="473971" cy="813816"/>
+          </a:xfrm>
+          <a:prstGeom prst="straightConnector1">
+            <a:avLst/>
+          </a:prstGeom>
+          <a:ln>
+            <a:tailEnd type="triangle"/>
+          </a:ln>
+        </p:spPr>
+        <p:style>
+          <a:lnRef idx="1">
+            <a:schemeClr val="accent1"/>
+          </a:lnRef>
+          <a:fillRef idx="0">
+            <a:schemeClr val="accent1"/>
+          </a:fillRef>
+          <a:effectRef idx="0">
+            <a:schemeClr val="accent1"/>
+          </a:effectRef>
+          <a:fontRef idx="minor">
+            <a:schemeClr val="tx1"/>
+          </a:fontRef>
+        </p:style>
+      </p:cxnSp>
+      <p:cxnSp>
+        <p:nvCxnSpPr>
+          <p:cNvPr id="66" name="直線矢印コネクタ 65"/>
+          <p:cNvCxnSpPr/>
+          <p:nvPr/>
+        </p:nvCxnSpPr>
+        <p:spPr>
+          <a:xfrm flipV="1">
+            <a:off x="4650588" y="386574"/>
+            <a:ext cx="473971" cy="813816"/>
+          </a:xfrm>
+          <a:prstGeom prst="straightConnector1">
+            <a:avLst/>
+          </a:prstGeom>
+          <a:ln>
+            <a:tailEnd type="triangle"/>
+          </a:ln>
+        </p:spPr>
+        <p:style>
+          <a:lnRef idx="1">
+            <a:schemeClr val="accent1"/>
+          </a:lnRef>
+          <a:fillRef idx="0">
+            <a:schemeClr val="accent1"/>
+          </a:fillRef>
+          <a:effectRef idx="0">
+            <a:schemeClr val="accent1"/>
+          </a:effectRef>
+          <a:fontRef idx="minor">
+            <a:schemeClr val="tx1"/>
+          </a:fontRef>
+        </p:style>
+      </p:cxnSp>
+      <p:cxnSp>
+        <p:nvCxnSpPr>
+          <p:cNvPr id="67" name="直線矢印コネクタ 66"/>
+          <p:cNvCxnSpPr/>
+          <p:nvPr/>
+        </p:nvCxnSpPr>
+        <p:spPr>
+          <a:xfrm>
+            <a:off x="4650588" y="386574"/>
+            <a:ext cx="473971" cy="0"/>
+          </a:xfrm>
+          <a:prstGeom prst="straightConnector1">
+            <a:avLst/>
+          </a:prstGeom>
+          <a:ln>
+            <a:tailEnd type="triangle"/>
+          </a:ln>
+        </p:spPr>
+        <p:style>
+          <a:lnRef idx="1">
+            <a:schemeClr val="accent1"/>
+          </a:lnRef>
+          <a:fillRef idx="0">
+            <a:schemeClr val="accent1"/>
+          </a:fillRef>
+          <a:effectRef idx="0">
+            <a:schemeClr val="accent1"/>
+          </a:effectRef>
+          <a:fontRef idx="minor">
+            <a:schemeClr val="tx1"/>
+          </a:fontRef>
+        </p:style>
+      </p:cxnSp>
+      <p:cxnSp>
+        <p:nvCxnSpPr>
+          <p:cNvPr id="68" name="直線矢印コネクタ 67"/>
+          <p:cNvCxnSpPr/>
+          <p:nvPr/>
+        </p:nvCxnSpPr>
+        <p:spPr>
+          <a:xfrm>
+            <a:off x="4650588" y="1200390"/>
+            <a:ext cx="473971" cy="0"/>
+          </a:xfrm>
+          <a:prstGeom prst="straightConnector1">
+            <a:avLst/>
+          </a:prstGeom>
+          <a:ln>
+            <a:tailEnd type="triangle"/>
+          </a:ln>
+        </p:spPr>
+        <p:style>
+          <a:lnRef idx="1">
+            <a:schemeClr val="accent1"/>
+          </a:lnRef>
+          <a:fillRef idx="0">
+            <a:schemeClr val="accent1"/>
+          </a:fillRef>
+          <a:effectRef idx="0">
+            <a:schemeClr val="accent1"/>
+          </a:effectRef>
+          <a:fontRef idx="minor">
+            <a:schemeClr val="tx1"/>
+          </a:fontRef>
+        </p:style>
+      </p:cxnSp>
+      <p:sp>
+        <p:nvSpPr>
+          <p:cNvPr id="69" name="正方形/長方形 68"/>
+          <p:cNvSpPr/>
+          <p:nvPr/>
+        </p:nvSpPr>
+        <p:spPr>
+          <a:xfrm>
+            <a:off x="513090" y="456238"/>
+            <a:ext cx="2050346" cy="388889"/>
+          </a:xfrm>
+          <a:prstGeom prst="rect">
+            <a:avLst/>
+          </a:prstGeom>
+          <a:noFill/>
+          <a:ln w="28575">
+            <a:solidFill>
+              <a:srgbClr val="FF0000"/>
+            </a:solidFill>
+          </a:ln>
+        </p:spPr>
+        <p:style>
+          <a:lnRef idx="2">
+            <a:schemeClr val="accent1">
+              <a:shade val="50000"/>
+            </a:schemeClr>
+          </a:lnRef>
+          <a:fillRef idx="1">
+            <a:schemeClr val="accent1"/>
+          </a:fillRef>
+          <a:effectRef idx="0">
+            <a:schemeClr val="accent1"/>
+          </a:effectRef>
+          <a:fontRef idx="minor">
+            <a:schemeClr val="lt1"/>
+          </a:fontRef>
+        </p:style>
+        <p:txBody>
+          <a:bodyPr rtlCol="0" anchor="ctr"/>
+          <a:lstStyle/>
+          <a:p>
+            <a:pPr algn="ctr"/>
+            <a:endParaRPr kumimoji="1" lang="ja-JP" altLang="en-US"/>
+          </a:p>
+        </p:txBody>
+      </p:sp>
+      <p:sp>
+        <p:nvSpPr>
+          <p:cNvPr id="70" name="正方形/長方形 69"/>
+          <p:cNvSpPr/>
+          <p:nvPr/>
+        </p:nvSpPr>
+        <p:spPr>
+          <a:xfrm>
+            <a:off x="614127" y="1722295"/>
+            <a:ext cx="2607020" cy="605269"/>
+          </a:xfrm>
+          <a:prstGeom prst="rect">
+            <a:avLst/>
+          </a:prstGeom>
+          <a:noFill/>
+          <a:ln w="28575">
+            <a:solidFill>
+              <a:srgbClr val="FF0000"/>
+            </a:solidFill>
+          </a:ln>
+        </p:spPr>
+        <p:style>
+          <a:lnRef idx="2">
+            <a:schemeClr val="accent1">
+              <a:shade val="50000"/>
+            </a:schemeClr>
+          </a:lnRef>
+          <a:fillRef idx="1">
+            <a:schemeClr val="accent1"/>
+          </a:fillRef>
+          <a:effectRef idx="0">
+            <a:schemeClr val="accent1"/>
+          </a:effectRef>
+          <a:fontRef idx="minor">
+            <a:schemeClr val="lt1"/>
+          </a:fontRef>
+        </p:style>
+        <p:txBody>
+          <a:bodyPr rtlCol="0" anchor="ctr"/>
+          <a:lstStyle/>
+          <a:p>
+            <a:pPr algn="ctr"/>
+            <a:endParaRPr kumimoji="1" lang="ja-JP" altLang="en-US"/>
+          </a:p>
+        </p:txBody>
+      </p:sp>
+      <p:sp>
+        <p:nvSpPr>
+          <p:cNvPr id="71" name="テキスト ボックス 70"/>
+          <p:cNvSpPr txBox="1"/>
+          <p:nvPr/>
+        </p:nvSpPr>
+        <p:spPr>
+          <a:xfrm>
+            <a:off x="3362453" y="1920149"/>
+            <a:ext cx="2031325" cy="369332"/>
+          </a:xfrm>
+          <a:prstGeom prst="rect">
+            <a:avLst/>
+          </a:prstGeom>
+          <a:noFill/>
+        </p:spPr>
+        <p:txBody>
+          <a:bodyPr wrap="none" rtlCol="0">
+            <a:spAutoFit/>
+          </a:bodyPr>
+          <a:lstStyle/>
+          <a:p>
+            <a:r>
+              <a:rPr lang="ja-JP" altLang="en-US" b="1" dirty="0" smtClean="0">
+                <a:solidFill>
+                  <a:srgbClr val="FF0000"/>
+                </a:solidFill>
+              </a:rPr>
+              <a:t>最適化手法の選択</a:t>
+            </a:r>
+            <a:endParaRPr kumimoji="1" lang="ja-JP" altLang="en-US" b="1" dirty="0">
+              <a:solidFill>
+                <a:srgbClr val="FF0000"/>
+              </a:solidFill>
+            </a:endParaRPr>
+          </a:p>
+        </p:txBody>
+      </p:sp>
+      <p:sp>
+        <p:nvSpPr>
+          <p:cNvPr id="72" name="正方形/長方形 71"/>
+          <p:cNvSpPr/>
+          <p:nvPr/>
+        </p:nvSpPr>
+        <p:spPr>
+          <a:xfrm>
+            <a:off x="513090" y="2433209"/>
+            <a:ext cx="4998950" cy="1168973"/>
+          </a:xfrm>
+          <a:prstGeom prst="rect">
+            <a:avLst/>
+          </a:prstGeom>
+          <a:noFill/>
+          <a:ln w="28575">
+            <a:solidFill>
+              <a:srgbClr val="FF0000"/>
+            </a:solidFill>
+          </a:ln>
+        </p:spPr>
+        <p:style>
+          <a:lnRef idx="2">
+            <a:schemeClr val="accent1">
+              <a:shade val="50000"/>
+            </a:schemeClr>
+          </a:lnRef>
+          <a:fillRef idx="1">
+            <a:schemeClr val="accent1"/>
+          </a:fillRef>
+          <a:effectRef idx="0">
+            <a:schemeClr val="accent1"/>
+          </a:effectRef>
+          <a:fontRef idx="minor">
+            <a:schemeClr val="lt1"/>
+          </a:fontRef>
+        </p:style>
+        <p:txBody>
+          <a:bodyPr rtlCol="0" anchor="ctr"/>
+          <a:lstStyle/>
+          <a:p>
+            <a:pPr algn="ctr"/>
+            <a:endParaRPr kumimoji="1" lang="ja-JP" altLang="en-US"/>
+          </a:p>
+        </p:txBody>
+      </p:sp>
+      <p:sp>
+        <p:nvSpPr>
+          <p:cNvPr id="73" name="テキスト ボックス 72"/>
+          <p:cNvSpPr txBox="1"/>
+          <p:nvPr/>
+        </p:nvSpPr>
+        <p:spPr>
+          <a:xfrm>
+            <a:off x="5624526" y="3063233"/>
+            <a:ext cx="2262158" cy="369332"/>
+          </a:xfrm>
+          <a:prstGeom prst="rect">
+            <a:avLst/>
+          </a:prstGeom>
+          <a:noFill/>
+        </p:spPr>
+        <p:txBody>
+          <a:bodyPr wrap="none" rtlCol="0">
+            <a:spAutoFit/>
+          </a:bodyPr>
+          <a:lstStyle/>
+          <a:p>
+            <a:r>
+              <a:rPr lang="ja-JP" altLang="en-US" b="1" dirty="0" smtClean="0">
+                <a:solidFill>
+                  <a:srgbClr val="FF0000"/>
+                </a:solidFill>
+              </a:rPr>
+              <a:t>データセットの設定</a:t>
+            </a:r>
+            <a:endParaRPr kumimoji="1" lang="ja-JP" altLang="en-US" b="1" dirty="0">
+              <a:solidFill>
+                <a:srgbClr val="FF0000"/>
+              </a:solidFill>
+            </a:endParaRPr>
+          </a:p>
+        </p:txBody>
+      </p:sp>
+      <p:pic>
+        <p:nvPicPr>
+          <p:cNvPr id="74" name="図 73"/>
+          <p:cNvPicPr>
+            <a:picLocks noChangeAspect="1"/>
+          </p:cNvPicPr>
+          <p:nvPr/>
+        </p:nvPicPr>
+        <p:blipFill>
+          <a:blip r:embed="rId3"/>
+          <a:stretch>
+            <a:fillRect/>
+          </a:stretch>
+        </p:blipFill>
+        <p:spPr>
+          <a:xfrm>
+            <a:off x="5986011" y="5777923"/>
+            <a:ext cx="3149600" cy="622300"/>
+          </a:xfrm>
+          <a:prstGeom prst="rect">
+            <a:avLst/>
+          </a:prstGeom>
+        </p:spPr>
+      </p:pic>
+      <p:sp>
+        <p:nvSpPr>
+          <p:cNvPr id="75" name="テキスト ボックス 74"/>
+          <p:cNvSpPr txBox="1"/>
+          <p:nvPr/>
+        </p:nvSpPr>
+        <p:spPr>
+          <a:xfrm>
+            <a:off x="6897605" y="5282107"/>
+            <a:ext cx="829073" cy="369332"/>
+          </a:xfrm>
+          <a:prstGeom prst="rect">
+            <a:avLst/>
+          </a:prstGeom>
+          <a:noFill/>
+        </p:spPr>
+        <p:txBody>
+          <a:bodyPr wrap="none" rtlCol="0">
+            <a:spAutoFit/>
+          </a:bodyPr>
+          <a:lstStyle/>
+          <a:p>
+            <a:r>
+              <a:rPr lang="ja-JP" altLang="en-US" b="1" dirty="0" smtClean="0"/>
+              <a:t>中略</a:t>
+            </a:r>
+            <a:r>
+              <a:rPr lang="mr-IN" altLang="ja-JP" b="1" dirty="0" smtClean="0"/>
+              <a:t>…</a:t>
+            </a:r>
+            <a:endParaRPr kumimoji="1" lang="ja-JP" altLang="en-US" b="1" dirty="0"/>
+          </a:p>
+        </p:txBody>
+      </p:sp>
+      <p:sp>
+        <p:nvSpPr>
+          <p:cNvPr id="76" name="テキスト ボックス 75"/>
+          <p:cNvSpPr txBox="1"/>
+          <p:nvPr/>
+        </p:nvSpPr>
+        <p:spPr>
+          <a:xfrm>
+            <a:off x="6539444" y="6400223"/>
+            <a:ext cx="1338828" cy="369332"/>
+          </a:xfrm>
+          <a:prstGeom prst="rect">
+            <a:avLst/>
+          </a:prstGeom>
+          <a:noFill/>
+        </p:spPr>
+        <p:txBody>
+          <a:bodyPr wrap="none" rtlCol="0">
+            <a:spAutoFit/>
+          </a:bodyPr>
+          <a:lstStyle/>
+          <a:p>
+            <a:r>
+              <a:rPr lang="ja-JP" altLang="en-US" b="1" dirty="0" smtClean="0">
+                <a:solidFill>
+                  <a:srgbClr val="FF0000"/>
+                </a:solidFill>
+              </a:rPr>
+              <a:t>学習の実行</a:t>
+            </a:r>
+            <a:endParaRPr kumimoji="1" lang="ja-JP" altLang="en-US" b="1" dirty="0">
+              <a:solidFill>
+                <a:srgbClr val="FF0000"/>
+              </a:solidFill>
+            </a:endParaRPr>
+          </a:p>
+        </p:txBody>
+      </p:sp>
+    </p:spTree>
+    <p:extLst>
+      <p:ext uri="{BB962C8B-B14F-4D97-AF65-F5344CB8AC3E}">
+        <p14:creationId xmlns:p14="http://schemas.microsoft.com/office/powerpoint/2010/main" val="1180492221"/>
+      </p:ext>
+    </p:extLst>
+  </p:cSld>
+  <p:clrMapOvr>
+    <a:masterClrMapping/>
+  </p:clrMapOvr>
+  <p:timing>
+    <p:tnLst>
+      <p:par>
+        <p:cTn id="1" dur="indefinite" restart="never" nodeType="tmRoot"/>
+      </p:par>
+    </p:tnLst>
+  </p:timing>
 </p:sld>
 </file>
 
@@ -3959,6 +7200,13 @@
   <p:clrMapOvr>
     <a:masterClrMapping/>
   </p:clrMapOvr>
+  <p:timing>
+    <p:tnLst>
+      <p:par>
+        <p:cTn id="1" dur="indefinite" restart="never" nodeType="tmRoot"/>
+      </p:par>
+    </p:tnLst>
+  </p:timing>
 </p:sld>
 </file>
 
@@ -4201,6 +7449,13 @@
   <p:clrMapOvr>
     <a:masterClrMapping/>
   </p:clrMapOvr>
+  <p:timing>
+    <p:tnLst>
+      <p:par>
+        <p:cTn id="1" dur="indefinite" restart="never" nodeType="tmRoot"/>
+      </p:par>
+    </p:tnLst>
+  </p:timing>
 </p:sld>
 </file>
 
@@ -4518,6 +7773,13 @@
   <p:clrMapOvr>
     <a:masterClrMapping/>
   </p:clrMapOvr>
+  <p:timing>
+    <p:tnLst>
+      <p:par>
+        <p:cTn id="1" dur="indefinite" restart="never" nodeType="tmRoot"/>
+      </p:par>
+    </p:tnLst>
+  </p:timing>
 </p:sld>
 </file>
 
@@ -4596,7 +7858,7 @@
               <a:rPr lang="en-US" altLang="ja-JP" dirty="0" smtClean="0">
                 <a:hlinkClick r:id="rId2"/>
               </a:rPr>
-              <a:t>github.com/NaohiroTawara/B3_seminor/tree/master/DNN</a:t>
+              <a:t>github.com/NaohiroTawara/B3_seminor2017/tree/master/DNN</a:t>
             </a:r>
             <a:endParaRPr lang="en-US" altLang="ja-JP" dirty="0" smtClean="0"/>
           </a:p>
@@ -4755,6 +8017,13 @@
   <p:clrMapOvr>
     <a:masterClrMapping/>
   </p:clrMapOvr>
+  <p:timing>
+    <p:tnLst>
+      <p:par>
+        <p:cTn id="1" dur="indefinite" restart="never" nodeType="tmRoot"/>
+      </p:par>
+    </p:tnLst>
+  </p:timing>
 </p:sld>
 </file>
 
@@ -4796,12 +8065,8 @@
           <a:lstStyle/>
           <a:p>
             <a:r>
-              <a:rPr lang="ja-JP" altLang="en-US" smtClean="0"/>
-              <a:t>課題（結果の提出</a:t>
-            </a:r>
-            <a:r>
               <a:rPr lang="ja-JP" altLang="en-US" dirty="0" smtClean="0"/>
-              <a:t>は求めません）</a:t>
+              <a:t>課題（結果の提出は求めません）</a:t>
             </a:r>
             <a:endParaRPr kumimoji="1" lang="ja-JP" altLang="en-US" dirty="0"/>
           </a:p>
@@ -5147,6 +8412,13 @@
   <p:clrMapOvr>
     <a:masterClrMapping/>
   </p:clrMapOvr>
+  <p:timing>
+    <p:tnLst>
+      <p:par>
+        <p:cTn id="1" dur="indefinite" restart="never" nodeType="tmRoot"/>
+      </p:par>
+    </p:tnLst>
+  </p:timing>
 </p:sld>
 </file>
 
@@ -5347,6 +8619,13 @@
   <p:clrMapOvr>
     <a:masterClrMapping/>
   </p:clrMapOvr>
+  <p:timing>
+    <p:tnLst>
+      <p:par>
+        <p:cTn id="1" dur="indefinite" restart="never" nodeType="tmRoot"/>
+      </p:par>
+    </p:tnLst>
+  </p:timing>
 </p:sld>
 </file>
 
@@ -5715,6 +8994,13 @@
   <p:clrMapOvr>
     <a:masterClrMapping/>
   </p:clrMapOvr>
+  <p:timing>
+    <p:tnLst>
+      <p:par>
+        <p:cTn id="1" dur="indefinite" restart="never" nodeType="tmRoot"/>
+      </p:par>
+    </p:tnLst>
+  </p:timing>
 </p:sld>
 </file>
 
@@ -6309,6 +9595,13 @@
   <p:clrMapOvr>
     <a:masterClrMapping/>
   </p:clrMapOvr>
+  <p:timing>
+    <p:tnLst>
+      <p:par>
+        <p:cTn id="1" dur="indefinite" restart="never" nodeType="tmRoot"/>
+      </p:par>
+    </p:tnLst>
+  </p:timing>
 </p:sld>
 </file>
 
@@ -6832,4 +10125,265 @@
     </a:ext>
   </a:extLst>
 </a:theme>
+</file>
+
+<file path=ppt/theme/theme3.xml><?xml version="1.0" encoding="utf-8"?>
+<a:theme xmlns:a="http://schemas.openxmlformats.org/drawingml/2006/main" name="ホワイト">
+  <a:themeElements>
+    <a:clrScheme name="Office">
+      <a:dk1>
+        <a:sysClr val="windowText" lastClr="000000"/>
+      </a:dk1>
+      <a:lt1>
+        <a:sysClr val="window" lastClr="FFFFFF"/>
+      </a:lt1>
+      <a:dk2>
+        <a:srgbClr val="44546A"/>
+      </a:dk2>
+      <a:lt2>
+        <a:srgbClr val="E7E6E6"/>
+      </a:lt2>
+      <a:accent1>
+        <a:srgbClr val="4472C4"/>
+      </a:accent1>
+      <a:accent2>
+        <a:srgbClr val="ED7D31"/>
+      </a:accent2>
+      <a:accent3>
+        <a:srgbClr val="A5A5A5"/>
+      </a:accent3>
+      <a:accent4>
+        <a:srgbClr val="FFC000"/>
+      </a:accent4>
+      <a:accent5>
+        <a:srgbClr val="5B9BD5"/>
+      </a:accent5>
+      <a:accent6>
+        <a:srgbClr val="70AD47"/>
+      </a:accent6>
+      <a:hlink>
+        <a:srgbClr val="0563C1"/>
+      </a:hlink>
+      <a:folHlink>
+        <a:srgbClr val="954F72"/>
+      </a:folHlink>
+    </a:clrScheme>
+    <a:fontScheme name="Office">
+      <a:majorFont>
+        <a:latin typeface="Yu Gothic Light" panose="020F0302020204030204"/>
+        <a:ea typeface=""/>
+        <a:cs typeface=""/>
+        <a:font script="Jpan" typeface="Yu Gothic Light"/>
+        <a:font script="Hang" typeface="맑은 고딕"/>
+        <a:font script="Hans" typeface="DengXian Light"/>
+        <a:font script="Hant" typeface="新細明體"/>
+        <a:font script="Arab" typeface="Times New Roman"/>
+        <a:font script="Hebr" typeface="Times New Roman"/>
+        <a:font script="Thai" typeface="Angsana New"/>
+        <a:font script="Ethi" typeface="Nyala"/>
+        <a:font script="Beng" typeface="Vrinda"/>
+        <a:font script="Gujr" typeface="Shruti"/>
+        <a:font script="Khmr" typeface="MoolBoran"/>
+        <a:font script="Knda" typeface="Tunga"/>
+        <a:font script="Guru" typeface="Raavi"/>
+        <a:font script="Cans" typeface="Euphemia"/>
+        <a:font script="Cher" typeface="Plantagenet Cherokee"/>
+        <a:font script="Yiii" typeface="Microsoft Yi Baiti"/>
+        <a:font script="Tibt" typeface="Microsoft Himalaya"/>
+        <a:font script="Thaa" typeface="MV Boli"/>
+        <a:font script="Deva" typeface="Mangal"/>
+        <a:font script="Telu" typeface="Gautami"/>
+        <a:font script="Taml" typeface="Latha"/>
+        <a:font script="Syrc" typeface="Estrangelo Edessa"/>
+        <a:font script="Orya" typeface="Kalinga"/>
+        <a:font script="Mlym" typeface="Kartika"/>
+        <a:font script="Laoo" typeface="DokChampa"/>
+        <a:font script="Sinh" typeface="Iskoola Pota"/>
+        <a:font script="Mong" typeface="Mongolian Baiti"/>
+        <a:font script="Viet" typeface="Times New Roman"/>
+        <a:font script="Uigh" typeface="Microsoft Uighur"/>
+        <a:font script="Geor" typeface="Sylfaen"/>
+      </a:majorFont>
+      <a:minorFont>
+        <a:latin typeface="Yu Gothic" panose="020F0502020204030204"/>
+        <a:ea typeface=""/>
+        <a:cs typeface=""/>
+        <a:font script="Jpan" typeface="Yu Gothic"/>
+        <a:font script="Hang" typeface="맑은 고딕"/>
+        <a:font script="Hans" typeface="DengXian"/>
+        <a:font script="Hant" typeface="新細明體"/>
+        <a:font script="Arab" typeface="Arial"/>
+        <a:font script="Hebr" typeface="Arial"/>
+        <a:font script="Thai" typeface="Cordia New"/>
+        <a:font script="Ethi" typeface="Nyala"/>
+        <a:font script="Beng" typeface="Vrinda"/>
+        <a:font script="Gujr" typeface="Shruti"/>
+        <a:font script="Khmr" typeface="DaunPenh"/>
+        <a:font script="Knda" typeface="Tunga"/>
+        <a:font script="Guru" typeface="Raavi"/>
+        <a:font script="Cans" typeface="Euphemia"/>
+        <a:font script="Cher" typeface="Plantagenet Cherokee"/>
+        <a:font script="Yiii" typeface="Microsoft Yi Baiti"/>
+        <a:font script="Tibt" typeface="Microsoft Himalaya"/>
+        <a:font script="Thaa" typeface="MV Boli"/>
+        <a:font script="Deva" typeface="Mangal"/>
+        <a:font script="Telu" typeface="Gautami"/>
+        <a:font script="Taml" typeface="Latha"/>
+        <a:font script="Syrc" typeface="Estrangelo Edessa"/>
+        <a:font script="Orya" typeface="Kalinga"/>
+        <a:font script="Mlym" typeface="Kartika"/>
+        <a:font script="Laoo" typeface="DokChampa"/>
+        <a:font script="Sinh" typeface="Iskoola Pota"/>
+        <a:font script="Mong" typeface="Mongolian Baiti"/>
+        <a:font script="Viet" typeface="Arial"/>
+        <a:font script="Uigh" typeface="Microsoft Uighur"/>
+        <a:font script="Geor" typeface="Sylfaen"/>
+      </a:minorFont>
+    </a:fontScheme>
+    <a:fmtScheme name="Office">
+      <a:fillStyleLst>
+        <a:solidFill>
+          <a:schemeClr val="phClr"/>
+        </a:solidFill>
+        <a:gradFill rotWithShape="1">
+          <a:gsLst>
+            <a:gs pos="0">
+              <a:schemeClr val="phClr">
+                <a:lumMod val="110000"/>
+                <a:satMod val="105000"/>
+                <a:tint val="67000"/>
+              </a:schemeClr>
+            </a:gs>
+            <a:gs pos="50000">
+              <a:schemeClr val="phClr">
+                <a:lumMod val="105000"/>
+                <a:satMod val="103000"/>
+                <a:tint val="73000"/>
+              </a:schemeClr>
+            </a:gs>
+            <a:gs pos="100000">
+              <a:schemeClr val="phClr">
+                <a:lumMod val="105000"/>
+                <a:satMod val="109000"/>
+                <a:tint val="81000"/>
+              </a:schemeClr>
+            </a:gs>
+          </a:gsLst>
+          <a:lin ang="5400000" scaled="0"/>
+        </a:gradFill>
+        <a:gradFill rotWithShape="1">
+          <a:gsLst>
+            <a:gs pos="0">
+              <a:schemeClr val="phClr">
+                <a:satMod val="103000"/>
+                <a:lumMod val="102000"/>
+                <a:tint val="94000"/>
+              </a:schemeClr>
+            </a:gs>
+            <a:gs pos="50000">
+              <a:schemeClr val="phClr">
+                <a:satMod val="110000"/>
+                <a:lumMod val="100000"/>
+                <a:shade val="100000"/>
+              </a:schemeClr>
+            </a:gs>
+            <a:gs pos="100000">
+              <a:schemeClr val="phClr">
+                <a:lumMod val="99000"/>
+                <a:satMod val="120000"/>
+                <a:shade val="78000"/>
+              </a:schemeClr>
+            </a:gs>
+          </a:gsLst>
+          <a:lin ang="5400000" scaled="0"/>
+        </a:gradFill>
+      </a:fillStyleLst>
+      <a:lnStyleLst>
+        <a:ln w="6350" cap="flat" cmpd="sng" algn="ctr">
+          <a:solidFill>
+            <a:schemeClr val="phClr"/>
+          </a:solidFill>
+          <a:prstDash val="solid"/>
+          <a:miter lim="800000"/>
+        </a:ln>
+        <a:ln w="12700" cap="flat" cmpd="sng" algn="ctr">
+          <a:solidFill>
+            <a:schemeClr val="phClr"/>
+          </a:solidFill>
+          <a:prstDash val="solid"/>
+          <a:miter lim="800000"/>
+        </a:ln>
+        <a:ln w="19050" cap="flat" cmpd="sng" algn="ctr">
+          <a:solidFill>
+            <a:schemeClr val="phClr"/>
+          </a:solidFill>
+          <a:prstDash val="solid"/>
+          <a:miter lim="800000"/>
+        </a:ln>
+      </a:lnStyleLst>
+      <a:effectStyleLst>
+        <a:effectStyle>
+          <a:effectLst/>
+        </a:effectStyle>
+        <a:effectStyle>
+          <a:effectLst/>
+        </a:effectStyle>
+        <a:effectStyle>
+          <a:effectLst>
+            <a:outerShdw blurRad="57150" dist="19050" dir="5400000" algn="ctr" rotWithShape="0">
+              <a:srgbClr val="000000">
+                <a:alpha val="63000"/>
+              </a:srgbClr>
+            </a:outerShdw>
+          </a:effectLst>
+        </a:effectStyle>
+      </a:effectStyleLst>
+      <a:bgFillStyleLst>
+        <a:solidFill>
+          <a:schemeClr val="phClr"/>
+        </a:solidFill>
+        <a:solidFill>
+          <a:schemeClr val="phClr">
+            <a:tint val="95000"/>
+            <a:satMod val="170000"/>
+          </a:schemeClr>
+        </a:solidFill>
+        <a:gradFill rotWithShape="1">
+          <a:gsLst>
+            <a:gs pos="0">
+              <a:schemeClr val="phClr">
+                <a:tint val="93000"/>
+                <a:satMod val="150000"/>
+                <a:shade val="98000"/>
+                <a:lumMod val="102000"/>
+              </a:schemeClr>
+            </a:gs>
+            <a:gs pos="50000">
+              <a:schemeClr val="phClr">
+                <a:tint val="98000"/>
+                <a:satMod val="130000"/>
+                <a:shade val="90000"/>
+                <a:lumMod val="103000"/>
+              </a:schemeClr>
+            </a:gs>
+            <a:gs pos="100000">
+              <a:schemeClr val="phClr">
+                <a:shade val="63000"/>
+                <a:satMod val="120000"/>
+              </a:schemeClr>
+            </a:gs>
+          </a:gsLst>
+          <a:lin ang="5400000" scaled="0"/>
+        </a:gradFill>
+      </a:bgFillStyleLst>
+    </a:fmtScheme>
+  </a:themeElements>
+  <a:objectDefaults/>
+  <a:extraClrSchemeLst/>
+  <a:extLst>
+    <a:ext uri="{05A4C25C-085E-4340-85A3-A5531E510DB2}">
+      <thm15:themeFamily xmlns:thm15="http://schemas.microsoft.com/office/thememl/2012/main" name="Office Theme" id="{62F939B6-93AF-4DB8-9C6B-D6C7DFDC589F}" vid="{4A3C46E8-61CC-4603-A589-7422A47A8E4A}"/>
+    </a:ext>
+  </a:extLst>
+</a:theme>
 </file>